--- a/Technique.pptx
+++ b/Technique.pptx
@@ -3178,18 +3178,192 @@
   </p:clrMapOvr>
   <mc:AlternateContent xmlns:mc="http://schemas.openxmlformats.org/markup-compatibility/2006">
     <mc:Choice xmlns:p14="http://schemas.microsoft.com/office/powerpoint/2010/main" Requires="p14">
-      <p:transition spd="slow" p14:dur="2000" advTm="6913"/>
+      <p:transition spd="med" p14:dur="700" advTm="6913">
+        <p:fade/>
+      </p:transition>
     </mc:Choice>
     <mc:Fallback>
-      <p:transition spd="slow" advTm="6913"/>
+      <p:transition spd="med" advTm="6913">
+        <p:fade/>
+      </p:transition>
     </mc:Fallback>
   </mc:AlternateContent>
   <p:timing>
     <p:tnLst>
       <p:par>
-        <p:cTn id="1" dur="indefinite" restart="never" nodeType="tmRoot"/>
+        <p:cTn id="1" dur="indefinite" restart="never" nodeType="tmRoot">
+          <p:childTnLst>
+            <p:seq concurrent="1" nextAc="seek">
+              <p:cTn id="2" dur="indefinite" nodeType="mainSeq">
+                <p:childTnLst>
+                  <p:par>
+                    <p:cTn id="3" fill="hold">
+                      <p:stCondLst>
+                        <p:cond delay="indefinite"/>
+                      </p:stCondLst>
+                      <p:childTnLst>
+                        <p:par>
+                          <p:cTn id="4" fill="hold">
+                            <p:stCondLst>
+                              <p:cond delay="0"/>
+                            </p:stCondLst>
+                            <p:childTnLst>
+                              <p:par>
+                                <p:cTn id="5" presetID="1" presetClass="entr" presetSubtype="0" fill="hold" grpId="0" nodeType="clickEffect">
+                                  <p:stCondLst>
+                                    <p:cond delay="0"/>
+                                  </p:stCondLst>
+                                  <p:childTnLst>
+                                    <p:set>
+                                      <p:cBhvr>
+                                        <p:cTn id="6" dur="1" fill="hold">
+                                          <p:stCondLst>
+                                            <p:cond delay="0"/>
+                                          </p:stCondLst>
+                                        </p:cTn>
+                                        <p:tgtEl>
+                                          <p:spTgt spid="2"/>
+                                        </p:tgtEl>
+                                        <p:attrNameLst>
+                                          <p:attrName>style.visibility</p:attrName>
+                                        </p:attrNameLst>
+                                      </p:cBhvr>
+                                      <p:to>
+                                        <p:strVal val="visible"/>
+                                      </p:to>
+                                    </p:set>
+                                  </p:childTnLst>
+                                </p:cTn>
+                              </p:par>
+                            </p:childTnLst>
+                          </p:cTn>
+                        </p:par>
+                      </p:childTnLst>
+                    </p:cTn>
+                  </p:par>
+                  <p:par>
+                    <p:cTn id="7" fill="hold">
+                      <p:stCondLst>
+                        <p:cond delay="indefinite"/>
+                      </p:stCondLst>
+                      <p:childTnLst>
+                        <p:par>
+                          <p:cTn id="8" fill="hold">
+                            <p:stCondLst>
+                              <p:cond delay="0"/>
+                            </p:stCondLst>
+                            <p:childTnLst>
+                              <p:par>
+                                <p:cTn id="9" presetID="1" presetClass="entr" presetSubtype="0" fill="hold" grpId="0" nodeType="clickEffect">
+                                  <p:stCondLst>
+                                    <p:cond delay="0"/>
+                                  </p:stCondLst>
+                                  <p:childTnLst>
+                                    <p:set>
+                                      <p:cBhvr>
+                                        <p:cTn id="10" dur="1" fill="hold">
+                                          <p:stCondLst>
+                                            <p:cond delay="0"/>
+                                          </p:stCondLst>
+                                        </p:cTn>
+                                        <p:tgtEl>
+                                          <p:spTgt spid="3">
+                                            <p:txEl>
+                                              <p:pRg st="1" end="1"/>
+                                            </p:txEl>
+                                          </p:spTgt>
+                                        </p:tgtEl>
+                                        <p:attrNameLst>
+                                          <p:attrName>style.visibility</p:attrName>
+                                        </p:attrNameLst>
+                                      </p:cBhvr>
+                                      <p:to>
+                                        <p:strVal val="visible"/>
+                                      </p:to>
+                                    </p:set>
+                                  </p:childTnLst>
+                                </p:cTn>
+                              </p:par>
+                            </p:childTnLst>
+                          </p:cTn>
+                        </p:par>
+                      </p:childTnLst>
+                    </p:cTn>
+                  </p:par>
+                  <p:par>
+                    <p:cTn id="11" fill="hold">
+                      <p:stCondLst>
+                        <p:cond delay="indefinite"/>
+                      </p:stCondLst>
+                      <p:childTnLst>
+                        <p:par>
+                          <p:cTn id="12" fill="hold">
+                            <p:stCondLst>
+                              <p:cond delay="0"/>
+                            </p:stCondLst>
+                            <p:childTnLst>
+                              <p:par>
+                                <p:cTn id="13" presetID="1" presetClass="entr" presetSubtype="0" fill="hold" grpId="0" nodeType="clickEffect">
+                                  <p:stCondLst>
+                                    <p:cond delay="0"/>
+                                  </p:stCondLst>
+                                  <p:childTnLst>
+                                    <p:set>
+                                      <p:cBhvr>
+                                        <p:cTn id="14" dur="1" fill="hold">
+                                          <p:stCondLst>
+                                            <p:cond delay="0"/>
+                                          </p:stCondLst>
+                                        </p:cTn>
+                                        <p:tgtEl>
+                                          <p:spTgt spid="3">
+                                            <p:txEl>
+                                              <p:pRg st="5" end="5"/>
+                                            </p:txEl>
+                                          </p:spTgt>
+                                        </p:tgtEl>
+                                        <p:attrNameLst>
+                                          <p:attrName>style.visibility</p:attrName>
+                                        </p:attrNameLst>
+                                      </p:cBhvr>
+                                      <p:to>
+                                        <p:strVal val="visible"/>
+                                      </p:to>
+                                    </p:set>
+                                  </p:childTnLst>
+                                </p:cTn>
+                              </p:par>
+                            </p:childTnLst>
+                          </p:cTn>
+                        </p:par>
+                      </p:childTnLst>
+                    </p:cTn>
+                  </p:par>
+                </p:childTnLst>
+              </p:cTn>
+              <p:prevCondLst>
+                <p:cond evt="onPrev" delay="0">
+                  <p:tgtEl>
+                    <p:sldTgt/>
+                  </p:tgtEl>
+                </p:cond>
+              </p:prevCondLst>
+              <p:nextCondLst>
+                <p:cond evt="onNext" delay="0">
+                  <p:tgtEl>
+                    <p:sldTgt/>
+                  </p:tgtEl>
+                </p:cond>
+              </p:nextCondLst>
+            </p:seq>
+          </p:childTnLst>
+        </p:cTn>
       </p:par>
     </p:tnLst>
+    <p:bldLst>
+      <p:bldP spid="2" grpId="0"/>
+      <p:bldP spid="3" grpId="0" build="p"/>
+    </p:bldLst>
   </p:timing>
 </p:sld>
 </file>
@@ -3253,14 +3427,12 @@
               <a:rPr lang="fr-CH" dirty="0" smtClean="0"/>
               <a:t>Backend</a:t>
             </a:r>
-            <a:endParaRPr lang="fr-CH" dirty="0" smtClean="0"/>
           </a:p>
           <a:p>
             <a:r>
               <a:rPr lang="fr-CH" dirty="0" smtClean="0"/>
               <a:t>Frontend</a:t>
             </a:r>
-            <a:endParaRPr lang="fr-CH" dirty="0" smtClean="0"/>
           </a:p>
           <a:p>
             <a:r>
@@ -3308,9 +3480,508 @@
   <p:timing>
     <p:tnLst>
       <p:par>
-        <p:cTn id="1" dur="indefinite" restart="never" nodeType="tmRoot"/>
+        <p:cTn id="1" dur="indefinite" restart="never" nodeType="tmRoot">
+          <p:childTnLst>
+            <p:seq concurrent="1" nextAc="seek">
+              <p:cTn id="2" dur="indefinite" nodeType="mainSeq">
+                <p:childTnLst>
+                  <p:par>
+                    <p:cTn id="3" fill="hold">
+                      <p:stCondLst>
+                        <p:cond delay="indefinite"/>
+                      </p:stCondLst>
+                      <p:childTnLst>
+                        <p:par>
+                          <p:cTn id="4" fill="hold">
+                            <p:stCondLst>
+                              <p:cond delay="0"/>
+                            </p:stCondLst>
+                            <p:childTnLst>
+                              <p:par>
+                                <p:cTn id="5" presetID="1" presetClass="entr" presetSubtype="0" fill="hold" grpId="0" nodeType="clickEffect">
+                                  <p:stCondLst>
+                                    <p:cond delay="0"/>
+                                  </p:stCondLst>
+                                  <p:childTnLst>
+                                    <p:set>
+                                      <p:cBhvr>
+                                        <p:cTn id="6" dur="1" fill="hold">
+                                          <p:stCondLst>
+                                            <p:cond delay="0"/>
+                                          </p:stCondLst>
+                                        </p:cTn>
+                                        <p:tgtEl>
+                                          <p:spTgt spid="2"/>
+                                        </p:tgtEl>
+                                        <p:attrNameLst>
+                                          <p:attrName>style.visibility</p:attrName>
+                                        </p:attrNameLst>
+                                      </p:cBhvr>
+                                      <p:to>
+                                        <p:strVal val="visible"/>
+                                      </p:to>
+                                    </p:set>
+                                  </p:childTnLst>
+                                </p:cTn>
+                              </p:par>
+                            </p:childTnLst>
+                          </p:cTn>
+                        </p:par>
+                      </p:childTnLst>
+                    </p:cTn>
+                  </p:par>
+                  <p:par>
+                    <p:cTn id="7" fill="hold">
+                      <p:stCondLst>
+                        <p:cond delay="indefinite"/>
+                      </p:stCondLst>
+                      <p:childTnLst>
+                        <p:par>
+                          <p:cTn id="8" fill="hold">
+                            <p:stCondLst>
+                              <p:cond delay="0"/>
+                            </p:stCondLst>
+                            <p:childTnLst>
+                              <p:par>
+                                <p:cTn id="9" presetID="5" presetClass="entr" presetSubtype="10" fill="hold" grpId="0" nodeType="clickEffect">
+                                  <p:stCondLst>
+                                    <p:cond delay="0"/>
+                                  </p:stCondLst>
+                                  <p:childTnLst>
+                                    <p:set>
+                                      <p:cBhvr>
+                                        <p:cTn id="10" dur="1" fill="hold">
+                                          <p:stCondLst>
+                                            <p:cond delay="0"/>
+                                          </p:stCondLst>
+                                        </p:cTn>
+                                        <p:tgtEl>
+                                          <p:spTgt spid="3">
+                                            <p:txEl>
+                                              <p:pRg st="0" end="0"/>
+                                            </p:txEl>
+                                          </p:spTgt>
+                                        </p:tgtEl>
+                                        <p:attrNameLst>
+                                          <p:attrName>style.visibility</p:attrName>
+                                        </p:attrNameLst>
+                                      </p:cBhvr>
+                                      <p:to>
+                                        <p:strVal val="visible"/>
+                                      </p:to>
+                                    </p:set>
+                                    <p:animEffect transition="in" filter="checkerboard(across)">
+                                      <p:cBhvr>
+                                        <p:cTn id="11" dur="500"/>
+                                        <p:tgtEl>
+                                          <p:spTgt spid="3">
+                                            <p:txEl>
+                                              <p:pRg st="0" end="0"/>
+                                            </p:txEl>
+                                          </p:spTgt>
+                                        </p:tgtEl>
+                                      </p:cBhvr>
+                                    </p:animEffect>
+                                  </p:childTnLst>
+                                </p:cTn>
+                              </p:par>
+                            </p:childTnLst>
+                          </p:cTn>
+                        </p:par>
+                      </p:childTnLst>
+                    </p:cTn>
+                  </p:par>
+                  <p:par>
+                    <p:cTn id="12" fill="hold">
+                      <p:stCondLst>
+                        <p:cond delay="indefinite"/>
+                      </p:stCondLst>
+                      <p:childTnLst>
+                        <p:par>
+                          <p:cTn id="13" fill="hold">
+                            <p:stCondLst>
+                              <p:cond delay="0"/>
+                            </p:stCondLst>
+                            <p:childTnLst>
+                              <p:par>
+                                <p:cTn id="14" presetID="5" presetClass="entr" presetSubtype="10" fill="hold" grpId="0" nodeType="clickEffect">
+                                  <p:stCondLst>
+                                    <p:cond delay="0"/>
+                                  </p:stCondLst>
+                                  <p:childTnLst>
+                                    <p:set>
+                                      <p:cBhvr>
+                                        <p:cTn id="15" dur="1" fill="hold">
+                                          <p:stCondLst>
+                                            <p:cond delay="0"/>
+                                          </p:stCondLst>
+                                        </p:cTn>
+                                        <p:tgtEl>
+                                          <p:spTgt spid="3">
+                                            <p:txEl>
+                                              <p:pRg st="1" end="1"/>
+                                            </p:txEl>
+                                          </p:spTgt>
+                                        </p:tgtEl>
+                                        <p:attrNameLst>
+                                          <p:attrName>style.visibility</p:attrName>
+                                        </p:attrNameLst>
+                                      </p:cBhvr>
+                                      <p:to>
+                                        <p:strVal val="visible"/>
+                                      </p:to>
+                                    </p:set>
+                                    <p:animEffect transition="in" filter="checkerboard(across)">
+                                      <p:cBhvr>
+                                        <p:cTn id="16" dur="500"/>
+                                        <p:tgtEl>
+                                          <p:spTgt spid="3">
+                                            <p:txEl>
+                                              <p:pRg st="1" end="1"/>
+                                            </p:txEl>
+                                          </p:spTgt>
+                                        </p:tgtEl>
+                                      </p:cBhvr>
+                                    </p:animEffect>
+                                  </p:childTnLst>
+                                </p:cTn>
+                              </p:par>
+                            </p:childTnLst>
+                          </p:cTn>
+                        </p:par>
+                      </p:childTnLst>
+                    </p:cTn>
+                  </p:par>
+                  <p:par>
+                    <p:cTn id="17" fill="hold">
+                      <p:stCondLst>
+                        <p:cond delay="indefinite"/>
+                      </p:stCondLst>
+                      <p:childTnLst>
+                        <p:par>
+                          <p:cTn id="18" fill="hold">
+                            <p:stCondLst>
+                              <p:cond delay="0"/>
+                            </p:stCondLst>
+                            <p:childTnLst>
+                              <p:par>
+                                <p:cTn id="19" presetID="5" presetClass="entr" presetSubtype="10" fill="hold" grpId="0" nodeType="clickEffect">
+                                  <p:stCondLst>
+                                    <p:cond delay="0"/>
+                                  </p:stCondLst>
+                                  <p:childTnLst>
+                                    <p:set>
+                                      <p:cBhvr>
+                                        <p:cTn id="20" dur="1" fill="hold">
+                                          <p:stCondLst>
+                                            <p:cond delay="0"/>
+                                          </p:stCondLst>
+                                        </p:cTn>
+                                        <p:tgtEl>
+                                          <p:spTgt spid="3">
+                                            <p:txEl>
+                                              <p:pRg st="2" end="2"/>
+                                            </p:txEl>
+                                          </p:spTgt>
+                                        </p:tgtEl>
+                                        <p:attrNameLst>
+                                          <p:attrName>style.visibility</p:attrName>
+                                        </p:attrNameLst>
+                                      </p:cBhvr>
+                                      <p:to>
+                                        <p:strVal val="visible"/>
+                                      </p:to>
+                                    </p:set>
+                                    <p:animEffect transition="in" filter="checkerboard(across)">
+                                      <p:cBhvr>
+                                        <p:cTn id="21" dur="500"/>
+                                        <p:tgtEl>
+                                          <p:spTgt spid="3">
+                                            <p:txEl>
+                                              <p:pRg st="2" end="2"/>
+                                            </p:txEl>
+                                          </p:spTgt>
+                                        </p:tgtEl>
+                                      </p:cBhvr>
+                                    </p:animEffect>
+                                  </p:childTnLst>
+                                </p:cTn>
+                              </p:par>
+                            </p:childTnLst>
+                          </p:cTn>
+                        </p:par>
+                      </p:childTnLst>
+                    </p:cTn>
+                  </p:par>
+                  <p:par>
+                    <p:cTn id="22" fill="hold">
+                      <p:stCondLst>
+                        <p:cond delay="indefinite"/>
+                      </p:stCondLst>
+                      <p:childTnLst>
+                        <p:par>
+                          <p:cTn id="23" fill="hold">
+                            <p:stCondLst>
+                              <p:cond delay="0"/>
+                            </p:stCondLst>
+                            <p:childTnLst>
+                              <p:par>
+                                <p:cTn id="24" presetID="5" presetClass="entr" presetSubtype="10" fill="hold" grpId="0" nodeType="clickEffect">
+                                  <p:stCondLst>
+                                    <p:cond delay="0"/>
+                                  </p:stCondLst>
+                                  <p:childTnLst>
+                                    <p:set>
+                                      <p:cBhvr>
+                                        <p:cTn id="25" dur="1" fill="hold">
+                                          <p:stCondLst>
+                                            <p:cond delay="0"/>
+                                          </p:stCondLst>
+                                        </p:cTn>
+                                        <p:tgtEl>
+                                          <p:spTgt spid="3">
+                                            <p:txEl>
+                                              <p:pRg st="3" end="3"/>
+                                            </p:txEl>
+                                          </p:spTgt>
+                                        </p:tgtEl>
+                                        <p:attrNameLst>
+                                          <p:attrName>style.visibility</p:attrName>
+                                        </p:attrNameLst>
+                                      </p:cBhvr>
+                                      <p:to>
+                                        <p:strVal val="visible"/>
+                                      </p:to>
+                                    </p:set>
+                                    <p:animEffect transition="in" filter="checkerboard(across)">
+                                      <p:cBhvr>
+                                        <p:cTn id="26" dur="500"/>
+                                        <p:tgtEl>
+                                          <p:spTgt spid="3">
+                                            <p:txEl>
+                                              <p:pRg st="3" end="3"/>
+                                            </p:txEl>
+                                          </p:spTgt>
+                                        </p:tgtEl>
+                                      </p:cBhvr>
+                                    </p:animEffect>
+                                  </p:childTnLst>
+                                </p:cTn>
+                              </p:par>
+                            </p:childTnLst>
+                          </p:cTn>
+                        </p:par>
+                      </p:childTnLst>
+                    </p:cTn>
+                  </p:par>
+                  <p:par>
+                    <p:cTn id="27" fill="hold">
+                      <p:stCondLst>
+                        <p:cond delay="indefinite"/>
+                      </p:stCondLst>
+                      <p:childTnLst>
+                        <p:par>
+                          <p:cTn id="28" fill="hold">
+                            <p:stCondLst>
+                              <p:cond delay="0"/>
+                            </p:stCondLst>
+                            <p:childTnLst>
+                              <p:par>
+                                <p:cTn id="29" presetID="5" presetClass="entr" presetSubtype="10" fill="hold" grpId="0" nodeType="clickEffect">
+                                  <p:stCondLst>
+                                    <p:cond delay="0"/>
+                                  </p:stCondLst>
+                                  <p:childTnLst>
+                                    <p:set>
+                                      <p:cBhvr>
+                                        <p:cTn id="30" dur="1" fill="hold">
+                                          <p:stCondLst>
+                                            <p:cond delay="0"/>
+                                          </p:stCondLst>
+                                        </p:cTn>
+                                        <p:tgtEl>
+                                          <p:spTgt spid="3">
+                                            <p:txEl>
+                                              <p:pRg st="4" end="4"/>
+                                            </p:txEl>
+                                          </p:spTgt>
+                                        </p:tgtEl>
+                                        <p:attrNameLst>
+                                          <p:attrName>style.visibility</p:attrName>
+                                        </p:attrNameLst>
+                                      </p:cBhvr>
+                                      <p:to>
+                                        <p:strVal val="visible"/>
+                                      </p:to>
+                                    </p:set>
+                                    <p:animEffect transition="in" filter="checkerboard(across)">
+                                      <p:cBhvr>
+                                        <p:cTn id="31" dur="500"/>
+                                        <p:tgtEl>
+                                          <p:spTgt spid="3">
+                                            <p:txEl>
+                                              <p:pRg st="4" end="4"/>
+                                            </p:txEl>
+                                          </p:spTgt>
+                                        </p:tgtEl>
+                                      </p:cBhvr>
+                                    </p:animEffect>
+                                  </p:childTnLst>
+                                </p:cTn>
+                              </p:par>
+                            </p:childTnLst>
+                          </p:cTn>
+                        </p:par>
+                      </p:childTnLst>
+                    </p:cTn>
+                  </p:par>
+                  <p:par>
+                    <p:cTn id="32" fill="hold">
+                      <p:stCondLst>
+                        <p:cond delay="indefinite"/>
+                      </p:stCondLst>
+                      <p:childTnLst>
+                        <p:par>
+                          <p:cTn id="33" fill="hold">
+                            <p:stCondLst>
+                              <p:cond delay="0"/>
+                            </p:stCondLst>
+                            <p:childTnLst>
+                              <p:par>
+                                <p:cTn id="34" presetID="5" presetClass="entr" presetSubtype="10" fill="hold" grpId="0" nodeType="clickEffect">
+                                  <p:stCondLst>
+                                    <p:cond delay="0"/>
+                                  </p:stCondLst>
+                                  <p:childTnLst>
+                                    <p:set>
+                                      <p:cBhvr>
+                                        <p:cTn id="35" dur="1" fill="hold">
+                                          <p:stCondLst>
+                                            <p:cond delay="0"/>
+                                          </p:stCondLst>
+                                        </p:cTn>
+                                        <p:tgtEl>
+                                          <p:spTgt spid="3">
+                                            <p:txEl>
+                                              <p:pRg st="5" end="5"/>
+                                            </p:txEl>
+                                          </p:spTgt>
+                                        </p:tgtEl>
+                                        <p:attrNameLst>
+                                          <p:attrName>style.visibility</p:attrName>
+                                        </p:attrNameLst>
+                                      </p:cBhvr>
+                                      <p:to>
+                                        <p:strVal val="visible"/>
+                                      </p:to>
+                                    </p:set>
+                                    <p:animEffect transition="in" filter="checkerboard(across)">
+                                      <p:cBhvr>
+                                        <p:cTn id="36" dur="500"/>
+                                        <p:tgtEl>
+                                          <p:spTgt spid="3">
+                                            <p:txEl>
+                                              <p:pRg st="5" end="5"/>
+                                            </p:txEl>
+                                          </p:spTgt>
+                                        </p:tgtEl>
+                                      </p:cBhvr>
+                                    </p:animEffect>
+                                  </p:childTnLst>
+                                </p:cTn>
+                              </p:par>
+                            </p:childTnLst>
+                          </p:cTn>
+                        </p:par>
+                      </p:childTnLst>
+                    </p:cTn>
+                  </p:par>
+                  <p:par>
+                    <p:cTn id="37" fill="hold">
+                      <p:stCondLst>
+                        <p:cond delay="indefinite"/>
+                      </p:stCondLst>
+                      <p:childTnLst>
+                        <p:par>
+                          <p:cTn id="38" fill="hold">
+                            <p:stCondLst>
+                              <p:cond delay="0"/>
+                            </p:stCondLst>
+                            <p:childTnLst>
+                              <p:par>
+                                <p:cTn id="39" presetID="5" presetClass="entr" presetSubtype="10" fill="hold" grpId="0" nodeType="clickEffect">
+                                  <p:stCondLst>
+                                    <p:cond delay="0"/>
+                                  </p:stCondLst>
+                                  <p:childTnLst>
+                                    <p:set>
+                                      <p:cBhvr>
+                                        <p:cTn id="40" dur="1" fill="hold">
+                                          <p:stCondLst>
+                                            <p:cond delay="0"/>
+                                          </p:stCondLst>
+                                        </p:cTn>
+                                        <p:tgtEl>
+                                          <p:spTgt spid="3">
+                                            <p:txEl>
+                                              <p:pRg st="6" end="6"/>
+                                            </p:txEl>
+                                          </p:spTgt>
+                                        </p:tgtEl>
+                                        <p:attrNameLst>
+                                          <p:attrName>style.visibility</p:attrName>
+                                        </p:attrNameLst>
+                                      </p:cBhvr>
+                                      <p:to>
+                                        <p:strVal val="visible"/>
+                                      </p:to>
+                                    </p:set>
+                                    <p:animEffect transition="in" filter="checkerboard(across)">
+                                      <p:cBhvr>
+                                        <p:cTn id="41" dur="500"/>
+                                        <p:tgtEl>
+                                          <p:spTgt spid="3">
+                                            <p:txEl>
+                                              <p:pRg st="6" end="6"/>
+                                            </p:txEl>
+                                          </p:spTgt>
+                                        </p:tgtEl>
+                                      </p:cBhvr>
+                                    </p:animEffect>
+                                  </p:childTnLst>
+                                </p:cTn>
+                              </p:par>
+                            </p:childTnLst>
+                          </p:cTn>
+                        </p:par>
+                      </p:childTnLst>
+                    </p:cTn>
+                  </p:par>
+                </p:childTnLst>
+              </p:cTn>
+              <p:prevCondLst>
+                <p:cond evt="onPrev" delay="0">
+                  <p:tgtEl>
+                    <p:sldTgt/>
+                  </p:tgtEl>
+                </p:cond>
+              </p:prevCondLst>
+              <p:nextCondLst>
+                <p:cond evt="onNext" delay="0">
+                  <p:tgtEl>
+                    <p:sldTgt/>
+                  </p:tgtEl>
+                </p:cond>
+              </p:nextCondLst>
+            </p:seq>
+          </p:childTnLst>
+        </p:cTn>
       </p:par>
     </p:tnLst>
+    <p:bldLst>
+      <p:bldP spid="2" grpId="0"/>
+      <p:bldP spid="3" grpId="0" build="p"/>
+    </p:bldLst>
   </p:timing>
 </p:sld>
 </file>
@@ -3390,11 +4061,7 @@
           <a:p>
             <a:r>
               <a:rPr lang="fr-CH" dirty="0" smtClean="0"/>
-              <a:t>Backend</a:t>
-            </a:r>
-            <a:r>
-              <a:rPr lang="fr-CH" dirty="0" smtClean="0"/>
-              <a:t> est tout ce qui se passe au niveau du serveur</a:t>
+              <a:t>Backend est tout ce qui se passe au niveau du serveur</a:t>
             </a:r>
           </a:p>
         </p:txBody>
@@ -3408,7 +4075,7 @@
         <p:spPr>
           <a:xfrm>
             <a:off x="3527483" y="3244334"/>
-            <a:ext cx="2089033" cy="369332"/>
+            <a:ext cx="1165704" cy="369332"/>
           </a:xfrm>
           <a:prstGeom prst="rect">
             <a:avLst/>
@@ -3426,7 +4093,7 @@
                 <a:ea typeface="Source Han Sans CN Regular" charset="0"/>
                 <a:cs typeface="Lohit Devanagari" charset="0"/>
               </a:rPr>
-              <a:t>5 - Les workflows	</a:t>
+              <a:t>	</a:t>
             </a:r>
             <a:r>
               <a:rPr lang="fr-FR" dirty="0"/>
@@ -3448,9 +4115,325 @@
   <p:timing>
     <p:tnLst>
       <p:par>
-        <p:cTn id="1" dur="indefinite" restart="never" nodeType="tmRoot"/>
+        <p:cTn id="1" dur="indefinite" restart="never" nodeType="tmRoot">
+          <p:childTnLst>
+            <p:seq concurrent="1" nextAc="seek">
+              <p:cTn id="2" dur="indefinite" nodeType="mainSeq">
+                <p:childTnLst>
+                  <p:par>
+                    <p:cTn id="3" fill="hold">
+                      <p:stCondLst>
+                        <p:cond delay="indefinite"/>
+                      </p:stCondLst>
+                      <p:childTnLst>
+                        <p:par>
+                          <p:cTn id="4" fill="hold">
+                            <p:stCondLst>
+                              <p:cond delay="0"/>
+                            </p:stCondLst>
+                            <p:childTnLst>
+                              <p:par>
+                                <p:cTn id="5" presetID="1" presetClass="entr" presetSubtype="0" fill="hold" grpId="0" nodeType="clickEffect">
+                                  <p:stCondLst>
+                                    <p:cond delay="0"/>
+                                  </p:stCondLst>
+                                  <p:childTnLst>
+                                    <p:set>
+                                      <p:cBhvr>
+                                        <p:cTn id="6" dur="1" fill="hold">
+                                          <p:stCondLst>
+                                            <p:cond delay="0"/>
+                                          </p:stCondLst>
+                                        </p:cTn>
+                                        <p:tgtEl>
+                                          <p:spTgt spid="2"/>
+                                        </p:tgtEl>
+                                        <p:attrNameLst>
+                                          <p:attrName>style.visibility</p:attrName>
+                                        </p:attrNameLst>
+                                      </p:cBhvr>
+                                      <p:to>
+                                        <p:strVal val="visible"/>
+                                      </p:to>
+                                    </p:set>
+                                  </p:childTnLst>
+                                </p:cTn>
+                              </p:par>
+                            </p:childTnLst>
+                          </p:cTn>
+                        </p:par>
+                      </p:childTnLst>
+                    </p:cTn>
+                  </p:par>
+                  <p:par>
+                    <p:cTn id="7" fill="hold">
+                      <p:stCondLst>
+                        <p:cond delay="indefinite"/>
+                      </p:stCondLst>
+                      <p:childTnLst>
+                        <p:par>
+                          <p:cTn id="8" fill="hold">
+                            <p:stCondLst>
+                              <p:cond delay="0"/>
+                            </p:stCondLst>
+                            <p:childTnLst>
+                              <p:par>
+                                <p:cTn id="9" presetID="5" presetClass="entr" presetSubtype="10" fill="hold" grpId="0" nodeType="clickEffect">
+                                  <p:stCondLst>
+                                    <p:cond delay="0"/>
+                                  </p:stCondLst>
+                                  <p:childTnLst>
+                                    <p:set>
+                                      <p:cBhvr>
+                                        <p:cTn id="10" dur="1" fill="hold">
+                                          <p:stCondLst>
+                                            <p:cond delay="0"/>
+                                          </p:stCondLst>
+                                        </p:cTn>
+                                        <p:tgtEl>
+                                          <p:spTgt spid="3">
+                                            <p:txEl>
+                                              <p:pRg st="0" end="0"/>
+                                            </p:txEl>
+                                          </p:spTgt>
+                                        </p:tgtEl>
+                                        <p:attrNameLst>
+                                          <p:attrName>style.visibility</p:attrName>
+                                        </p:attrNameLst>
+                                      </p:cBhvr>
+                                      <p:to>
+                                        <p:strVal val="visible"/>
+                                      </p:to>
+                                    </p:set>
+                                    <p:animEffect transition="in" filter="checkerboard(across)">
+                                      <p:cBhvr>
+                                        <p:cTn id="11" dur="500"/>
+                                        <p:tgtEl>
+                                          <p:spTgt spid="3">
+                                            <p:txEl>
+                                              <p:pRg st="0" end="0"/>
+                                            </p:txEl>
+                                          </p:spTgt>
+                                        </p:tgtEl>
+                                      </p:cBhvr>
+                                    </p:animEffect>
+                                  </p:childTnLst>
+                                </p:cTn>
+                              </p:par>
+                            </p:childTnLst>
+                          </p:cTn>
+                        </p:par>
+                      </p:childTnLst>
+                    </p:cTn>
+                  </p:par>
+                  <p:par>
+                    <p:cTn id="12" fill="hold">
+                      <p:stCondLst>
+                        <p:cond delay="indefinite"/>
+                      </p:stCondLst>
+                      <p:childTnLst>
+                        <p:par>
+                          <p:cTn id="13" fill="hold">
+                            <p:stCondLst>
+                              <p:cond delay="0"/>
+                            </p:stCondLst>
+                            <p:childTnLst>
+                              <p:par>
+                                <p:cTn id="14" presetID="5" presetClass="entr" presetSubtype="10" fill="hold" grpId="0" nodeType="clickEffect">
+                                  <p:stCondLst>
+                                    <p:cond delay="0"/>
+                                  </p:stCondLst>
+                                  <p:childTnLst>
+                                    <p:set>
+                                      <p:cBhvr>
+                                        <p:cTn id="15" dur="1" fill="hold">
+                                          <p:stCondLst>
+                                            <p:cond delay="0"/>
+                                          </p:stCondLst>
+                                        </p:cTn>
+                                        <p:tgtEl>
+                                          <p:spTgt spid="3">
+                                            <p:txEl>
+                                              <p:pRg st="1" end="1"/>
+                                            </p:txEl>
+                                          </p:spTgt>
+                                        </p:tgtEl>
+                                        <p:attrNameLst>
+                                          <p:attrName>style.visibility</p:attrName>
+                                        </p:attrNameLst>
+                                      </p:cBhvr>
+                                      <p:to>
+                                        <p:strVal val="visible"/>
+                                      </p:to>
+                                    </p:set>
+                                    <p:animEffect transition="in" filter="checkerboard(across)">
+                                      <p:cBhvr>
+                                        <p:cTn id="16" dur="500"/>
+                                        <p:tgtEl>
+                                          <p:spTgt spid="3">
+                                            <p:txEl>
+                                              <p:pRg st="1" end="1"/>
+                                            </p:txEl>
+                                          </p:spTgt>
+                                        </p:tgtEl>
+                                      </p:cBhvr>
+                                    </p:animEffect>
+                                  </p:childTnLst>
+                                </p:cTn>
+                              </p:par>
+                            </p:childTnLst>
+                          </p:cTn>
+                        </p:par>
+                      </p:childTnLst>
+                    </p:cTn>
+                  </p:par>
+                  <p:par>
+                    <p:cTn id="17" fill="hold">
+                      <p:stCondLst>
+                        <p:cond delay="indefinite"/>
+                      </p:stCondLst>
+                      <p:childTnLst>
+                        <p:par>
+                          <p:cTn id="18" fill="hold">
+                            <p:stCondLst>
+                              <p:cond delay="0"/>
+                            </p:stCondLst>
+                            <p:childTnLst>
+                              <p:par>
+                                <p:cTn id="19" presetID="5" presetClass="entr" presetSubtype="10" fill="hold" grpId="0" nodeType="clickEffect">
+                                  <p:stCondLst>
+                                    <p:cond delay="0"/>
+                                  </p:stCondLst>
+                                  <p:childTnLst>
+                                    <p:set>
+                                      <p:cBhvr>
+                                        <p:cTn id="20" dur="1" fill="hold">
+                                          <p:stCondLst>
+                                            <p:cond delay="0"/>
+                                          </p:stCondLst>
+                                        </p:cTn>
+                                        <p:tgtEl>
+                                          <p:spTgt spid="3">
+                                            <p:txEl>
+                                              <p:pRg st="2" end="2"/>
+                                            </p:txEl>
+                                          </p:spTgt>
+                                        </p:tgtEl>
+                                        <p:attrNameLst>
+                                          <p:attrName>style.visibility</p:attrName>
+                                        </p:attrNameLst>
+                                      </p:cBhvr>
+                                      <p:to>
+                                        <p:strVal val="visible"/>
+                                      </p:to>
+                                    </p:set>
+                                    <p:animEffect transition="in" filter="checkerboard(across)">
+                                      <p:cBhvr>
+                                        <p:cTn id="21" dur="500"/>
+                                        <p:tgtEl>
+                                          <p:spTgt spid="3">
+                                            <p:txEl>
+                                              <p:pRg st="2" end="2"/>
+                                            </p:txEl>
+                                          </p:spTgt>
+                                        </p:tgtEl>
+                                      </p:cBhvr>
+                                    </p:animEffect>
+                                  </p:childTnLst>
+                                </p:cTn>
+                              </p:par>
+                            </p:childTnLst>
+                          </p:cTn>
+                        </p:par>
+                      </p:childTnLst>
+                    </p:cTn>
+                  </p:par>
+                  <p:par>
+                    <p:cTn id="22" fill="hold">
+                      <p:stCondLst>
+                        <p:cond delay="indefinite"/>
+                      </p:stCondLst>
+                      <p:childTnLst>
+                        <p:par>
+                          <p:cTn id="23" fill="hold">
+                            <p:stCondLst>
+                              <p:cond delay="0"/>
+                            </p:stCondLst>
+                            <p:childTnLst>
+                              <p:par>
+                                <p:cTn id="24" presetID="5" presetClass="entr" presetSubtype="10" fill="hold" grpId="0" nodeType="clickEffect">
+                                  <p:stCondLst>
+                                    <p:cond delay="0"/>
+                                  </p:stCondLst>
+                                  <p:childTnLst>
+                                    <p:set>
+                                      <p:cBhvr>
+                                        <p:cTn id="25" dur="1" fill="hold">
+                                          <p:stCondLst>
+                                            <p:cond delay="0"/>
+                                          </p:stCondLst>
+                                        </p:cTn>
+                                        <p:tgtEl>
+                                          <p:spTgt spid="3">
+                                            <p:txEl>
+                                              <p:pRg st="3" end="3"/>
+                                            </p:txEl>
+                                          </p:spTgt>
+                                        </p:tgtEl>
+                                        <p:attrNameLst>
+                                          <p:attrName>style.visibility</p:attrName>
+                                        </p:attrNameLst>
+                                      </p:cBhvr>
+                                      <p:to>
+                                        <p:strVal val="visible"/>
+                                      </p:to>
+                                    </p:set>
+                                    <p:animEffect transition="in" filter="checkerboard(across)">
+                                      <p:cBhvr>
+                                        <p:cTn id="26" dur="500"/>
+                                        <p:tgtEl>
+                                          <p:spTgt spid="3">
+                                            <p:txEl>
+                                              <p:pRg st="3" end="3"/>
+                                            </p:txEl>
+                                          </p:spTgt>
+                                        </p:tgtEl>
+                                      </p:cBhvr>
+                                    </p:animEffect>
+                                  </p:childTnLst>
+                                </p:cTn>
+                              </p:par>
+                            </p:childTnLst>
+                          </p:cTn>
+                        </p:par>
+                      </p:childTnLst>
+                    </p:cTn>
+                  </p:par>
+                </p:childTnLst>
+              </p:cTn>
+              <p:prevCondLst>
+                <p:cond evt="onPrev" delay="0">
+                  <p:tgtEl>
+                    <p:sldTgt/>
+                  </p:tgtEl>
+                </p:cond>
+              </p:prevCondLst>
+              <p:nextCondLst>
+                <p:cond evt="onNext" delay="0">
+                  <p:tgtEl>
+                    <p:sldTgt/>
+                  </p:tgtEl>
+                </p:cond>
+              </p:nextCondLst>
+            </p:seq>
+          </p:childTnLst>
+        </p:cTn>
       </p:par>
     </p:tnLst>
+    <p:bldLst>
+      <p:bldP spid="2" grpId="0"/>
+      <p:bldP spid="3" grpId="0" build="p"/>
+    </p:bldLst>
   </p:timing>
 </p:sld>
 </file>
@@ -3514,11 +4497,7 @@
           <a:p>
             <a:r>
               <a:rPr lang="fr-CH" dirty="0" smtClean="0"/>
-              <a:t>Frontend</a:t>
-            </a:r>
-            <a:r>
-              <a:rPr lang="fr-CH" dirty="0" smtClean="0"/>
-              <a:t>: au niveau de l’affichage  des pages web, visuels</a:t>
+              <a:t>Frontend: au niveau de l’affichage  des pages web, visuels</a:t>
             </a:r>
           </a:p>
           <a:p>
@@ -3536,55 +4515,19 @@
           <a:p>
             <a:r>
               <a:rPr lang="fr-CH" dirty="0" smtClean="0"/>
-              <a:t>CSS3 pour animations des pages également très </a:t>
-            </a:r>
+              <a:t>CSS3 pour animations des pages également très répandues sur les pages web</a:t>
+            </a:r>
+          </a:p>
+          <a:p>
             <a:r>
               <a:rPr lang="fr-CH" dirty="0" smtClean="0"/>
-              <a:t>répandues </a:t>
-            </a:r>
+              <a:t>JavaScript et JQuery pour la programmation de pages web</a:t>
+            </a:r>
+          </a:p>
+          <a:p>
             <a:r>
               <a:rPr lang="fr-CH" dirty="0" smtClean="0"/>
-              <a:t>sur les pages web</a:t>
-            </a:r>
-          </a:p>
-          <a:p>
-            <a:r>
-              <a:rPr lang="fr-CH" dirty="0" smtClean="0"/>
-              <a:t>JavaScript </a:t>
-            </a:r>
-            <a:r>
-              <a:rPr lang="fr-CH" dirty="0" smtClean="0"/>
-              <a:t>et </a:t>
-            </a:r>
-            <a:r>
-              <a:rPr lang="fr-CH" dirty="0" smtClean="0"/>
-              <a:t>JQuery </a:t>
-            </a:r>
-            <a:r>
-              <a:rPr lang="fr-CH" dirty="0" smtClean="0"/>
-              <a:t>pour la programmation de pages web</a:t>
-            </a:r>
-          </a:p>
-          <a:p>
-            <a:r>
-              <a:rPr lang="fr-CH" dirty="0" smtClean="0"/>
-              <a:t>Framework </a:t>
-            </a:r>
-            <a:r>
-              <a:rPr lang="fr-CH" dirty="0" smtClean="0"/>
-              <a:t>Bootstrap</a:t>
-            </a:r>
-            <a:r>
-              <a:rPr lang="fr-CH" dirty="0" smtClean="0"/>
-              <a:t> très facile à utiliser et simple pour </a:t>
-            </a:r>
-            <a:r>
-              <a:rPr lang="fr-CH" dirty="0" smtClean="0"/>
-              <a:t>créer </a:t>
-            </a:r>
-            <a:r>
-              <a:rPr lang="fr-CH" dirty="0" smtClean="0"/>
-              <a:t>site internet et qui permet l’adaptation sur tout écran(mobile, tablette</a:t>
+              <a:t>Framework Bootstrap très facile à utiliser et simple pour créer site internet et qui permet l’adaptation sur tout écran(mobile, tablette</a:t>
             </a:r>
             <a:r>
               <a:rPr lang="mr-IN" dirty="0" smtClean="0"/>
@@ -3613,9 +4556,447 @@
   <p:timing>
     <p:tnLst>
       <p:par>
-        <p:cTn id="1" dur="indefinite" restart="never" nodeType="tmRoot"/>
+        <p:cTn id="1" dur="indefinite" restart="never" nodeType="tmRoot">
+          <p:childTnLst>
+            <p:seq concurrent="1" nextAc="seek">
+              <p:cTn id="2" dur="indefinite" nodeType="mainSeq">
+                <p:childTnLst>
+                  <p:par>
+                    <p:cTn id="3" fill="hold">
+                      <p:stCondLst>
+                        <p:cond delay="indefinite"/>
+                      </p:stCondLst>
+                      <p:childTnLst>
+                        <p:par>
+                          <p:cTn id="4" fill="hold">
+                            <p:stCondLst>
+                              <p:cond delay="0"/>
+                            </p:stCondLst>
+                            <p:childTnLst>
+                              <p:par>
+                                <p:cTn id="5" presetID="1" presetClass="entr" presetSubtype="0" fill="hold" grpId="0" nodeType="clickEffect">
+                                  <p:stCondLst>
+                                    <p:cond delay="0"/>
+                                  </p:stCondLst>
+                                  <p:childTnLst>
+                                    <p:set>
+                                      <p:cBhvr>
+                                        <p:cTn id="6" dur="1" fill="hold">
+                                          <p:stCondLst>
+                                            <p:cond delay="0"/>
+                                          </p:stCondLst>
+                                        </p:cTn>
+                                        <p:tgtEl>
+                                          <p:spTgt spid="2"/>
+                                        </p:tgtEl>
+                                        <p:attrNameLst>
+                                          <p:attrName>style.visibility</p:attrName>
+                                        </p:attrNameLst>
+                                      </p:cBhvr>
+                                      <p:to>
+                                        <p:strVal val="visible"/>
+                                      </p:to>
+                                    </p:set>
+                                  </p:childTnLst>
+                                </p:cTn>
+                              </p:par>
+                            </p:childTnLst>
+                          </p:cTn>
+                        </p:par>
+                      </p:childTnLst>
+                    </p:cTn>
+                  </p:par>
+                  <p:par>
+                    <p:cTn id="7" fill="hold">
+                      <p:stCondLst>
+                        <p:cond delay="indefinite"/>
+                      </p:stCondLst>
+                      <p:childTnLst>
+                        <p:par>
+                          <p:cTn id="8" fill="hold">
+                            <p:stCondLst>
+                              <p:cond delay="0"/>
+                            </p:stCondLst>
+                            <p:childTnLst>
+                              <p:par>
+                                <p:cTn id="9" presetID="5" presetClass="entr" presetSubtype="10" fill="hold" grpId="0" nodeType="clickEffect">
+                                  <p:stCondLst>
+                                    <p:cond delay="0"/>
+                                  </p:stCondLst>
+                                  <p:childTnLst>
+                                    <p:set>
+                                      <p:cBhvr>
+                                        <p:cTn id="10" dur="1" fill="hold">
+                                          <p:stCondLst>
+                                            <p:cond delay="0"/>
+                                          </p:stCondLst>
+                                        </p:cTn>
+                                        <p:tgtEl>
+                                          <p:spTgt spid="3">
+                                            <p:txEl>
+                                              <p:pRg st="0" end="0"/>
+                                            </p:txEl>
+                                          </p:spTgt>
+                                        </p:tgtEl>
+                                        <p:attrNameLst>
+                                          <p:attrName>style.visibility</p:attrName>
+                                        </p:attrNameLst>
+                                      </p:cBhvr>
+                                      <p:to>
+                                        <p:strVal val="visible"/>
+                                      </p:to>
+                                    </p:set>
+                                    <p:animEffect transition="in" filter="checkerboard(across)">
+                                      <p:cBhvr>
+                                        <p:cTn id="11" dur="500"/>
+                                        <p:tgtEl>
+                                          <p:spTgt spid="3">
+                                            <p:txEl>
+                                              <p:pRg st="0" end="0"/>
+                                            </p:txEl>
+                                          </p:spTgt>
+                                        </p:tgtEl>
+                                      </p:cBhvr>
+                                    </p:animEffect>
+                                  </p:childTnLst>
+                                </p:cTn>
+                              </p:par>
+                            </p:childTnLst>
+                          </p:cTn>
+                        </p:par>
+                      </p:childTnLst>
+                    </p:cTn>
+                  </p:par>
+                  <p:par>
+                    <p:cTn id="12" fill="hold">
+                      <p:stCondLst>
+                        <p:cond delay="indefinite"/>
+                      </p:stCondLst>
+                      <p:childTnLst>
+                        <p:par>
+                          <p:cTn id="13" fill="hold">
+                            <p:stCondLst>
+                              <p:cond delay="0"/>
+                            </p:stCondLst>
+                            <p:childTnLst>
+                              <p:par>
+                                <p:cTn id="14" presetID="5" presetClass="entr" presetSubtype="10" fill="hold" grpId="0" nodeType="clickEffect">
+                                  <p:stCondLst>
+                                    <p:cond delay="0"/>
+                                  </p:stCondLst>
+                                  <p:childTnLst>
+                                    <p:set>
+                                      <p:cBhvr>
+                                        <p:cTn id="15" dur="1" fill="hold">
+                                          <p:stCondLst>
+                                            <p:cond delay="0"/>
+                                          </p:stCondLst>
+                                        </p:cTn>
+                                        <p:tgtEl>
+                                          <p:spTgt spid="3">
+                                            <p:txEl>
+                                              <p:pRg st="1" end="1"/>
+                                            </p:txEl>
+                                          </p:spTgt>
+                                        </p:tgtEl>
+                                        <p:attrNameLst>
+                                          <p:attrName>style.visibility</p:attrName>
+                                        </p:attrNameLst>
+                                      </p:cBhvr>
+                                      <p:to>
+                                        <p:strVal val="visible"/>
+                                      </p:to>
+                                    </p:set>
+                                    <p:animEffect transition="in" filter="checkerboard(across)">
+                                      <p:cBhvr>
+                                        <p:cTn id="16" dur="500"/>
+                                        <p:tgtEl>
+                                          <p:spTgt spid="3">
+                                            <p:txEl>
+                                              <p:pRg st="1" end="1"/>
+                                            </p:txEl>
+                                          </p:spTgt>
+                                        </p:tgtEl>
+                                      </p:cBhvr>
+                                    </p:animEffect>
+                                  </p:childTnLst>
+                                </p:cTn>
+                              </p:par>
+                            </p:childTnLst>
+                          </p:cTn>
+                        </p:par>
+                      </p:childTnLst>
+                    </p:cTn>
+                  </p:par>
+                  <p:par>
+                    <p:cTn id="17" fill="hold">
+                      <p:stCondLst>
+                        <p:cond delay="indefinite"/>
+                      </p:stCondLst>
+                      <p:childTnLst>
+                        <p:par>
+                          <p:cTn id="18" fill="hold">
+                            <p:stCondLst>
+                              <p:cond delay="0"/>
+                            </p:stCondLst>
+                            <p:childTnLst>
+                              <p:par>
+                                <p:cTn id="19" presetID="5" presetClass="entr" presetSubtype="10" fill="hold" grpId="0" nodeType="clickEffect">
+                                  <p:stCondLst>
+                                    <p:cond delay="0"/>
+                                  </p:stCondLst>
+                                  <p:childTnLst>
+                                    <p:set>
+                                      <p:cBhvr>
+                                        <p:cTn id="20" dur="1" fill="hold">
+                                          <p:stCondLst>
+                                            <p:cond delay="0"/>
+                                          </p:stCondLst>
+                                        </p:cTn>
+                                        <p:tgtEl>
+                                          <p:spTgt spid="3">
+                                            <p:txEl>
+                                              <p:pRg st="2" end="2"/>
+                                            </p:txEl>
+                                          </p:spTgt>
+                                        </p:tgtEl>
+                                        <p:attrNameLst>
+                                          <p:attrName>style.visibility</p:attrName>
+                                        </p:attrNameLst>
+                                      </p:cBhvr>
+                                      <p:to>
+                                        <p:strVal val="visible"/>
+                                      </p:to>
+                                    </p:set>
+                                    <p:animEffect transition="in" filter="checkerboard(across)">
+                                      <p:cBhvr>
+                                        <p:cTn id="21" dur="500"/>
+                                        <p:tgtEl>
+                                          <p:spTgt spid="3">
+                                            <p:txEl>
+                                              <p:pRg st="2" end="2"/>
+                                            </p:txEl>
+                                          </p:spTgt>
+                                        </p:tgtEl>
+                                      </p:cBhvr>
+                                    </p:animEffect>
+                                  </p:childTnLst>
+                                </p:cTn>
+                              </p:par>
+                            </p:childTnLst>
+                          </p:cTn>
+                        </p:par>
+                      </p:childTnLst>
+                    </p:cTn>
+                  </p:par>
+                  <p:par>
+                    <p:cTn id="22" fill="hold">
+                      <p:stCondLst>
+                        <p:cond delay="indefinite"/>
+                      </p:stCondLst>
+                      <p:childTnLst>
+                        <p:par>
+                          <p:cTn id="23" fill="hold">
+                            <p:stCondLst>
+                              <p:cond delay="0"/>
+                            </p:stCondLst>
+                            <p:childTnLst>
+                              <p:par>
+                                <p:cTn id="24" presetID="5" presetClass="entr" presetSubtype="10" fill="hold" grpId="0" nodeType="clickEffect">
+                                  <p:stCondLst>
+                                    <p:cond delay="0"/>
+                                  </p:stCondLst>
+                                  <p:childTnLst>
+                                    <p:set>
+                                      <p:cBhvr>
+                                        <p:cTn id="25" dur="1" fill="hold">
+                                          <p:stCondLst>
+                                            <p:cond delay="0"/>
+                                          </p:stCondLst>
+                                        </p:cTn>
+                                        <p:tgtEl>
+                                          <p:spTgt spid="3">
+                                            <p:txEl>
+                                              <p:pRg st="3" end="3"/>
+                                            </p:txEl>
+                                          </p:spTgt>
+                                        </p:tgtEl>
+                                        <p:attrNameLst>
+                                          <p:attrName>style.visibility</p:attrName>
+                                        </p:attrNameLst>
+                                      </p:cBhvr>
+                                      <p:to>
+                                        <p:strVal val="visible"/>
+                                      </p:to>
+                                    </p:set>
+                                    <p:animEffect transition="in" filter="checkerboard(across)">
+                                      <p:cBhvr>
+                                        <p:cTn id="26" dur="500"/>
+                                        <p:tgtEl>
+                                          <p:spTgt spid="3">
+                                            <p:txEl>
+                                              <p:pRg st="3" end="3"/>
+                                            </p:txEl>
+                                          </p:spTgt>
+                                        </p:tgtEl>
+                                      </p:cBhvr>
+                                    </p:animEffect>
+                                  </p:childTnLst>
+                                </p:cTn>
+                              </p:par>
+                            </p:childTnLst>
+                          </p:cTn>
+                        </p:par>
+                      </p:childTnLst>
+                    </p:cTn>
+                  </p:par>
+                  <p:par>
+                    <p:cTn id="27" fill="hold">
+                      <p:stCondLst>
+                        <p:cond delay="indefinite"/>
+                      </p:stCondLst>
+                      <p:childTnLst>
+                        <p:par>
+                          <p:cTn id="28" fill="hold">
+                            <p:stCondLst>
+                              <p:cond delay="0"/>
+                            </p:stCondLst>
+                            <p:childTnLst>
+                              <p:par>
+                                <p:cTn id="29" presetID="5" presetClass="entr" presetSubtype="10" fill="hold" grpId="0" nodeType="clickEffect">
+                                  <p:stCondLst>
+                                    <p:cond delay="0"/>
+                                  </p:stCondLst>
+                                  <p:childTnLst>
+                                    <p:set>
+                                      <p:cBhvr>
+                                        <p:cTn id="30" dur="1" fill="hold">
+                                          <p:stCondLst>
+                                            <p:cond delay="0"/>
+                                          </p:stCondLst>
+                                        </p:cTn>
+                                        <p:tgtEl>
+                                          <p:spTgt spid="3">
+                                            <p:txEl>
+                                              <p:pRg st="4" end="4"/>
+                                            </p:txEl>
+                                          </p:spTgt>
+                                        </p:tgtEl>
+                                        <p:attrNameLst>
+                                          <p:attrName>style.visibility</p:attrName>
+                                        </p:attrNameLst>
+                                      </p:cBhvr>
+                                      <p:to>
+                                        <p:strVal val="visible"/>
+                                      </p:to>
+                                    </p:set>
+                                    <p:animEffect transition="in" filter="checkerboard(across)">
+                                      <p:cBhvr>
+                                        <p:cTn id="31" dur="500"/>
+                                        <p:tgtEl>
+                                          <p:spTgt spid="3">
+                                            <p:txEl>
+                                              <p:pRg st="4" end="4"/>
+                                            </p:txEl>
+                                          </p:spTgt>
+                                        </p:tgtEl>
+                                      </p:cBhvr>
+                                    </p:animEffect>
+                                  </p:childTnLst>
+                                </p:cTn>
+                              </p:par>
+                            </p:childTnLst>
+                          </p:cTn>
+                        </p:par>
+                      </p:childTnLst>
+                    </p:cTn>
+                  </p:par>
+                  <p:par>
+                    <p:cTn id="32" fill="hold">
+                      <p:stCondLst>
+                        <p:cond delay="indefinite"/>
+                      </p:stCondLst>
+                      <p:childTnLst>
+                        <p:par>
+                          <p:cTn id="33" fill="hold">
+                            <p:stCondLst>
+                              <p:cond delay="0"/>
+                            </p:stCondLst>
+                            <p:childTnLst>
+                              <p:par>
+                                <p:cTn id="34" presetID="5" presetClass="entr" presetSubtype="10" fill="hold" grpId="0" nodeType="clickEffect">
+                                  <p:stCondLst>
+                                    <p:cond delay="0"/>
+                                  </p:stCondLst>
+                                  <p:childTnLst>
+                                    <p:set>
+                                      <p:cBhvr>
+                                        <p:cTn id="35" dur="1" fill="hold">
+                                          <p:stCondLst>
+                                            <p:cond delay="0"/>
+                                          </p:stCondLst>
+                                        </p:cTn>
+                                        <p:tgtEl>
+                                          <p:spTgt spid="3">
+                                            <p:txEl>
+                                              <p:pRg st="5" end="5"/>
+                                            </p:txEl>
+                                          </p:spTgt>
+                                        </p:tgtEl>
+                                        <p:attrNameLst>
+                                          <p:attrName>style.visibility</p:attrName>
+                                        </p:attrNameLst>
+                                      </p:cBhvr>
+                                      <p:to>
+                                        <p:strVal val="visible"/>
+                                      </p:to>
+                                    </p:set>
+                                    <p:animEffect transition="in" filter="checkerboard(across)">
+                                      <p:cBhvr>
+                                        <p:cTn id="36" dur="500"/>
+                                        <p:tgtEl>
+                                          <p:spTgt spid="3">
+                                            <p:txEl>
+                                              <p:pRg st="5" end="5"/>
+                                            </p:txEl>
+                                          </p:spTgt>
+                                        </p:tgtEl>
+                                      </p:cBhvr>
+                                    </p:animEffect>
+                                  </p:childTnLst>
+                                </p:cTn>
+                              </p:par>
+                            </p:childTnLst>
+                          </p:cTn>
+                        </p:par>
+                      </p:childTnLst>
+                    </p:cTn>
+                  </p:par>
+                </p:childTnLst>
+              </p:cTn>
+              <p:prevCondLst>
+                <p:cond evt="onPrev" delay="0">
+                  <p:tgtEl>
+                    <p:sldTgt/>
+                  </p:tgtEl>
+                </p:cond>
+              </p:prevCondLst>
+              <p:nextCondLst>
+                <p:cond evt="onNext" delay="0">
+                  <p:tgtEl>
+                    <p:sldTgt/>
+                  </p:tgtEl>
+                </p:cond>
+              </p:nextCondLst>
+            </p:seq>
+          </p:childTnLst>
+        </p:cTn>
       </p:par>
     </p:tnLst>
+    <p:bldLst>
+      <p:bldP spid="2" grpId="0"/>
+      <p:bldP spid="3" grpId="0" build="p"/>
+    </p:bldLst>
   </p:timing>
 </p:sld>
 </file>
@@ -3656,11 +5037,7 @@
           <a:p>
             <a:r>
               <a:rPr lang="fr-FR" dirty="0" smtClean="0"/>
-              <a:t>Bases de </a:t>
-            </a:r>
-            <a:r>
-              <a:rPr lang="fr-FR" dirty="0" smtClean="0"/>
-              <a:t>données+ Application</a:t>
+              <a:t>Bases de données+ Application</a:t>
             </a:r>
             <a:endParaRPr lang="fr-FR" dirty="0"/>
           </a:p>
@@ -3701,11 +5078,7 @@
           <a:p>
             <a:r>
               <a:rPr lang="fr-FR" dirty="0" smtClean="0"/>
-              <a:t>Une même application pour toutes les différentes </a:t>
-            </a:r>
-            <a:r>
-              <a:rPr lang="fr-FR" dirty="0" smtClean="0"/>
-              <a:t>pizzeria, leur différence sera faite à partir des bases de données de chaque pizzeria</a:t>
+              <a:t>Une même application pour toutes les différentes pizzeria, leur différence sera faite à partir des bases de données de chaque pizzeria</a:t>
             </a:r>
           </a:p>
           <a:p>
@@ -3713,7 +5086,6 @@
               <a:rPr lang="fr-FR" dirty="0" smtClean="0"/>
               <a:t>Application sera la même inutile d’en créer plusieurs et encombrer le serveur</a:t>
             </a:r>
-            <a:endParaRPr lang="fr-FR" dirty="0" smtClean="0"/>
           </a:p>
         </p:txBody>
       </p:sp>
@@ -3730,9 +5102,386 @@
   <p:timing>
     <p:tnLst>
       <p:par>
-        <p:cTn id="1" dur="indefinite" restart="never" nodeType="tmRoot"/>
+        <p:cTn id="1" dur="indefinite" restart="never" nodeType="tmRoot">
+          <p:childTnLst>
+            <p:seq concurrent="1" nextAc="seek">
+              <p:cTn id="2" dur="indefinite" nodeType="mainSeq">
+                <p:childTnLst>
+                  <p:par>
+                    <p:cTn id="3" fill="hold">
+                      <p:stCondLst>
+                        <p:cond delay="indefinite"/>
+                      </p:stCondLst>
+                      <p:childTnLst>
+                        <p:par>
+                          <p:cTn id="4" fill="hold">
+                            <p:stCondLst>
+                              <p:cond delay="0"/>
+                            </p:stCondLst>
+                            <p:childTnLst>
+                              <p:par>
+                                <p:cTn id="5" presetID="1" presetClass="entr" presetSubtype="0" fill="hold" grpId="0" nodeType="clickEffect">
+                                  <p:stCondLst>
+                                    <p:cond delay="0"/>
+                                  </p:stCondLst>
+                                  <p:childTnLst>
+                                    <p:set>
+                                      <p:cBhvr>
+                                        <p:cTn id="6" dur="1" fill="hold">
+                                          <p:stCondLst>
+                                            <p:cond delay="0"/>
+                                          </p:stCondLst>
+                                        </p:cTn>
+                                        <p:tgtEl>
+                                          <p:spTgt spid="2"/>
+                                        </p:tgtEl>
+                                        <p:attrNameLst>
+                                          <p:attrName>style.visibility</p:attrName>
+                                        </p:attrNameLst>
+                                      </p:cBhvr>
+                                      <p:to>
+                                        <p:strVal val="visible"/>
+                                      </p:to>
+                                    </p:set>
+                                  </p:childTnLst>
+                                </p:cTn>
+                              </p:par>
+                            </p:childTnLst>
+                          </p:cTn>
+                        </p:par>
+                      </p:childTnLst>
+                    </p:cTn>
+                  </p:par>
+                  <p:par>
+                    <p:cTn id="7" fill="hold">
+                      <p:stCondLst>
+                        <p:cond delay="indefinite"/>
+                      </p:stCondLst>
+                      <p:childTnLst>
+                        <p:par>
+                          <p:cTn id="8" fill="hold">
+                            <p:stCondLst>
+                              <p:cond delay="0"/>
+                            </p:stCondLst>
+                            <p:childTnLst>
+                              <p:par>
+                                <p:cTn id="9" presetID="5" presetClass="entr" presetSubtype="10" fill="hold" grpId="0" nodeType="clickEffect">
+                                  <p:stCondLst>
+                                    <p:cond delay="0"/>
+                                  </p:stCondLst>
+                                  <p:childTnLst>
+                                    <p:set>
+                                      <p:cBhvr>
+                                        <p:cTn id="10" dur="1" fill="hold">
+                                          <p:stCondLst>
+                                            <p:cond delay="0"/>
+                                          </p:stCondLst>
+                                        </p:cTn>
+                                        <p:tgtEl>
+                                          <p:spTgt spid="3">
+                                            <p:txEl>
+                                              <p:pRg st="0" end="0"/>
+                                            </p:txEl>
+                                          </p:spTgt>
+                                        </p:tgtEl>
+                                        <p:attrNameLst>
+                                          <p:attrName>style.visibility</p:attrName>
+                                        </p:attrNameLst>
+                                      </p:cBhvr>
+                                      <p:to>
+                                        <p:strVal val="visible"/>
+                                      </p:to>
+                                    </p:set>
+                                    <p:animEffect transition="in" filter="checkerboard(across)">
+                                      <p:cBhvr>
+                                        <p:cTn id="11" dur="500"/>
+                                        <p:tgtEl>
+                                          <p:spTgt spid="3">
+                                            <p:txEl>
+                                              <p:pRg st="0" end="0"/>
+                                            </p:txEl>
+                                          </p:spTgt>
+                                        </p:tgtEl>
+                                      </p:cBhvr>
+                                    </p:animEffect>
+                                  </p:childTnLst>
+                                </p:cTn>
+                              </p:par>
+                            </p:childTnLst>
+                          </p:cTn>
+                        </p:par>
+                      </p:childTnLst>
+                    </p:cTn>
+                  </p:par>
+                  <p:par>
+                    <p:cTn id="12" fill="hold">
+                      <p:stCondLst>
+                        <p:cond delay="indefinite"/>
+                      </p:stCondLst>
+                      <p:childTnLst>
+                        <p:par>
+                          <p:cTn id="13" fill="hold">
+                            <p:stCondLst>
+                              <p:cond delay="0"/>
+                            </p:stCondLst>
+                            <p:childTnLst>
+                              <p:par>
+                                <p:cTn id="14" presetID="5" presetClass="entr" presetSubtype="10" fill="hold" grpId="0" nodeType="clickEffect">
+                                  <p:stCondLst>
+                                    <p:cond delay="0"/>
+                                  </p:stCondLst>
+                                  <p:childTnLst>
+                                    <p:set>
+                                      <p:cBhvr>
+                                        <p:cTn id="15" dur="1" fill="hold">
+                                          <p:stCondLst>
+                                            <p:cond delay="0"/>
+                                          </p:stCondLst>
+                                        </p:cTn>
+                                        <p:tgtEl>
+                                          <p:spTgt spid="3">
+                                            <p:txEl>
+                                              <p:pRg st="1" end="1"/>
+                                            </p:txEl>
+                                          </p:spTgt>
+                                        </p:tgtEl>
+                                        <p:attrNameLst>
+                                          <p:attrName>style.visibility</p:attrName>
+                                        </p:attrNameLst>
+                                      </p:cBhvr>
+                                      <p:to>
+                                        <p:strVal val="visible"/>
+                                      </p:to>
+                                    </p:set>
+                                    <p:animEffect transition="in" filter="checkerboard(across)">
+                                      <p:cBhvr>
+                                        <p:cTn id="16" dur="500"/>
+                                        <p:tgtEl>
+                                          <p:spTgt spid="3">
+                                            <p:txEl>
+                                              <p:pRg st="1" end="1"/>
+                                            </p:txEl>
+                                          </p:spTgt>
+                                        </p:tgtEl>
+                                      </p:cBhvr>
+                                    </p:animEffect>
+                                  </p:childTnLst>
+                                </p:cTn>
+                              </p:par>
+                            </p:childTnLst>
+                          </p:cTn>
+                        </p:par>
+                      </p:childTnLst>
+                    </p:cTn>
+                  </p:par>
+                  <p:par>
+                    <p:cTn id="17" fill="hold">
+                      <p:stCondLst>
+                        <p:cond delay="indefinite"/>
+                      </p:stCondLst>
+                      <p:childTnLst>
+                        <p:par>
+                          <p:cTn id="18" fill="hold">
+                            <p:stCondLst>
+                              <p:cond delay="0"/>
+                            </p:stCondLst>
+                            <p:childTnLst>
+                              <p:par>
+                                <p:cTn id="19" presetID="5" presetClass="entr" presetSubtype="10" fill="hold" grpId="0" nodeType="clickEffect">
+                                  <p:stCondLst>
+                                    <p:cond delay="0"/>
+                                  </p:stCondLst>
+                                  <p:childTnLst>
+                                    <p:set>
+                                      <p:cBhvr>
+                                        <p:cTn id="20" dur="1" fill="hold">
+                                          <p:stCondLst>
+                                            <p:cond delay="0"/>
+                                          </p:stCondLst>
+                                        </p:cTn>
+                                        <p:tgtEl>
+                                          <p:spTgt spid="3">
+                                            <p:txEl>
+                                              <p:pRg st="2" end="2"/>
+                                            </p:txEl>
+                                          </p:spTgt>
+                                        </p:tgtEl>
+                                        <p:attrNameLst>
+                                          <p:attrName>style.visibility</p:attrName>
+                                        </p:attrNameLst>
+                                      </p:cBhvr>
+                                      <p:to>
+                                        <p:strVal val="visible"/>
+                                      </p:to>
+                                    </p:set>
+                                    <p:animEffect transition="in" filter="checkerboard(across)">
+                                      <p:cBhvr>
+                                        <p:cTn id="21" dur="500"/>
+                                        <p:tgtEl>
+                                          <p:spTgt spid="3">
+                                            <p:txEl>
+                                              <p:pRg st="2" end="2"/>
+                                            </p:txEl>
+                                          </p:spTgt>
+                                        </p:tgtEl>
+                                      </p:cBhvr>
+                                    </p:animEffect>
+                                  </p:childTnLst>
+                                </p:cTn>
+                              </p:par>
+                            </p:childTnLst>
+                          </p:cTn>
+                        </p:par>
+                      </p:childTnLst>
+                    </p:cTn>
+                  </p:par>
+                  <p:par>
+                    <p:cTn id="22" fill="hold">
+                      <p:stCondLst>
+                        <p:cond delay="indefinite"/>
+                      </p:stCondLst>
+                      <p:childTnLst>
+                        <p:par>
+                          <p:cTn id="23" fill="hold">
+                            <p:stCondLst>
+                              <p:cond delay="0"/>
+                            </p:stCondLst>
+                            <p:childTnLst>
+                              <p:par>
+                                <p:cTn id="24" presetID="5" presetClass="entr" presetSubtype="10" fill="hold" grpId="0" nodeType="clickEffect">
+                                  <p:stCondLst>
+                                    <p:cond delay="0"/>
+                                  </p:stCondLst>
+                                  <p:childTnLst>
+                                    <p:set>
+                                      <p:cBhvr>
+                                        <p:cTn id="25" dur="1" fill="hold">
+                                          <p:stCondLst>
+                                            <p:cond delay="0"/>
+                                          </p:stCondLst>
+                                        </p:cTn>
+                                        <p:tgtEl>
+                                          <p:spTgt spid="3">
+                                            <p:txEl>
+                                              <p:pRg st="3" end="3"/>
+                                            </p:txEl>
+                                          </p:spTgt>
+                                        </p:tgtEl>
+                                        <p:attrNameLst>
+                                          <p:attrName>style.visibility</p:attrName>
+                                        </p:attrNameLst>
+                                      </p:cBhvr>
+                                      <p:to>
+                                        <p:strVal val="visible"/>
+                                      </p:to>
+                                    </p:set>
+                                    <p:animEffect transition="in" filter="checkerboard(across)">
+                                      <p:cBhvr>
+                                        <p:cTn id="26" dur="500"/>
+                                        <p:tgtEl>
+                                          <p:spTgt spid="3">
+                                            <p:txEl>
+                                              <p:pRg st="3" end="3"/>
+                                            </p:txEl>
+                                          </p:spTgt>
+                                        </p:tgtEl>
+                                      </p:cBhvr>
+                                    </p:animEffect>
+                                  </p:childTnLst>
+                                </p:cTn>
+                              </p:par>
+                            </p:childTnLst>
+                          </p:cTn>
+                        </p:par>
+                      </p:childTnLst>
+                    </p:cTn>
+                  </p:par>
+                  <p:par>
+                    <p:cTn id="27" fill="hold">
+                      <p:stCondLst>
+                        <p:cond delay="indefinite"/>
+                      </p:stCondLst>
+                      <p:childTnLst>
+                        <p:par>
+                          <p:cTn id="28" fill="hold">
+                            <p:stCondLst>
+                              <p:cond delay="0"/>
+                            </p:stCondLst>
+                            <p:childTnLst>
+                              <p:par>
+                                <p:cTn id="29" presetID="5" presetClass="entr" presetSubtype="10" fill="hold" grpId="0" nodeType="clickEffect">
+                                  <p:stCondLst>
+                                    <p:cond delay="0"/>
+                                  </p:stCondLst>
+                                  <p:childTnLst>
+                                    <p:set>
+                                      <p:cBhvr>
+                                        <p:cTn id="30" dur="1" fill="hold">
+                                          <p:stCondLst>
+                                            <p:cond delay="0"/>
+                                          </p:stCondLst>
+                                        </p:cTn>
+                                        <p:tgtEl>
+                                          <p:spTgt spid="3">
+                                            <p:txEl>
+                                              <p:pRg st="4" end="4"/>
+                                            </p:txEl>
+                                          </p:spTgt>
+                                        </p:tgtEl>
+                                        <p:attrNameLst>
+                                          <p:attrName>style.visibility</p:attrName>
+                                        </p:attrNameLst>
+                                      </p:cBhvr>
+                                      <p:to>
+                                        <p:strVal val="visible"/>
+                                      </p:to>
+                                    </p:set>
+                                    <p:animEffect transition="in" filter="checkerboard(across)">
+                                      <p:cBhvr>
+                                        <p:cTn id="31" dur="500"/>
+                                        <p:tgtEl>
+                                          <p:spTgt spid="3">
+                                            <p:txEl>
+                                              <p:pRg st="4" end="4"/>
+                                            </p:txEl>
+                                          </p:spTgt>
+                                        </p:tgtEl>
+                                      </p:cBhvr>
+                                    </p:animEffect>
+                                  </p:childTnLst>
+                                </p:cTn>
+                              </p:par>
+                            </p:childTnLst>
+                          </p:cTn>
+                        </p:par>
+                      </p:childTnLst>
+                    </p:cTn>
+                  </p:par>
+                </p:childTnLst>
+              </p:cTn>
+              <p:prevCondLst>
+                <p:cond evt="onPrev" delay="0">
+                  <p:tgtEl>
+                    <p:sldTgt/>
+                  </p:tgtEl>
+                </p:cond>
+              </p:prevCondLst>
+              <p:nextCondLst>
+                <p:cond evt="onNext" delay="0">
+                  <p:tgtEl>
+                    <p:sldTgt/>
+                  </p:tgtEl>
+                </p:cond>
+              </p:nextCondLst>
+            </p:seq>
+          </p:childTnLst>
+        </p:cTn>
       </p:par>
     </p:tnLst>
+    <p:bldLst>
+      <p:bldP spid="2" grpId="0"/>
+      <p:bldP spid="3" grpId="0" build="p"/>
+    </p:bldLst>
   </p:timing>
 </p:sld>
 </file>
@@ -3854,9 +5603,489 @@
   <p:timing>
     <p:tnLst>
       <p:par>
-        <p:cTn id="1" dur="indefinite" restart="never" nodeType="tmRoot"/>
+        <p:cTn id="1" dur="indefinite" restart="never" nodeType="tmRoot">
+          <p:childTnLst>
+            <p:seq concurrent="1" nextAc="seek">
+              <p:cTn id="2" dur="indefinite" nodeType="mainSeq">
+                <p:childTnLst>
+                  <p:par>
+                    <p:cTn id="3" fill="hold">
+                      <p:stCondLst>
+                        <p:cond delay="indefinite"/>
+                      </p:stCondLst>
+                      <p:childTnLst>
+                        <p:par>
+                          <p:cTn id="4" fill="hold">
+                            <p:stCondLst>
+                              <p:cond delay="0"/>
+                            </p:stCondLst>
+                            <p:childTnLst>
+                              <p:par>
+                                <p:cTn id="5" presetID="1" presetClass="entr" presetSubtype="0" fill="hold" grpId="0" nodeType="clickEffect">
+                                  <p:stCondLst>
+                                    <p:cond delay="0"/>
+                                  </p:stCondLst>
+                                  <p:childTnLst>
+                                    <p:set>
+                                      <p:cBhvr>
+                                        <p:cTn id="6" dur="1" fill="hold">
+                                          <p:stCondLst>
+                                            <p:cond delay="0"/>
+                                          </p:stCondLst>
+                                        </p:cTn>
+                                        <p:tgtEl>
+                                          <p:spTgt spid="2"/>
+                                        </p:tgtEl>
+                                        <p:attrNameLst>
+                                          <p:attrName>style.visibility</p:attrName>
+                                        </p:attrNameLst>
+                                      </p:cBhvr>
+                                      <p:to>
+                                        <p:strVal val="visible"/>
+                                      </p:to>
+                                    </p:set>
+                                  </p:childTnLst>
+                                </p:cTn>
+                              </p:par>
+                            </p:childTnLst>
+                          </p:cTn>
+                        </p:par>
+                      </p:childTnLst>
+                    </p:cTn>
+                  </p:par>
+                  <p:par>
+                    <p:cTn id="7" fill="hold">
+                      <p:stCondLst>
+                        <p:cond delay="indefinite"/>
+                      </p:stCondLst>
+                      <p:childTnLst>
+                        <p:par>
+                          <p:cTn id="8" fill="hold">
+                            <p:stCondLst>
+                              <p:cond delay="0"/>
+                            </p:stCondLst>
+                            <p:childTnLst>
+                              <p:par>
+                                <p:cTn id="9" presetID="5" presetClass="entr" presetSubtype="10" fill="hold" grpId="0" nodeType="clickEffect">
+                                  <p:stCondLst>
+                                    <p:cond delay="0"/>
+                                  </p:stCondLst>
+                                  <p:childTnLst>
+                                    <p:set>
+                                      <p:cBhvr>
+                                        <p:cTn id="10" dur="1" fill="hold">
+                                          <p:stCondLst>
+                                            <p:cond delay="0"/>
+                                          </p:stCondLst>
+                                        </p:cTn>
+                                        <p:tgtEl>
+                                          <p:spTgt spid="3">
+                                            <p:txEl>
+                                              <p:pRg st="0" end="0"/>
+                                            </p:txEl>
+                                          </p:spTgt>
+                                        </p:tgtEl>
+                                        <p:attrNameLst>
+                                          <p:attrName>style.visibility</p:attrName>
+                                        </p:attrNameLst>
+                                      </p:cBhvr>
+                                      <p:to>
+                                        <p:strVal val="visible"/>
+                                      </p:to>
+                                    </p:set>
+                                    <p:animEffect transition="in" filter="checkerboard(across)">
+                                      <p:cBhvr>
+                                        <p:cTn id="11" dur="500"/>
+                                        <p:tgtEl>
+                                          <p:spTgt spid="3">
+                                            <p:txEl>
+                                              <p:pRg st="0" end="0"/>
+                                            </p:txEl>
+                                          </p:spTgt>
+                                        </p:tgtEl>
+                                      </p:cBhvr>
+                                    </p:animEffect>
+                                  </p:childTnLst>
+                                </p:cTn>
+                              </p:par>
+                            </p:childTnLst>
+                          </p:cTn>
+                        </p:par>
+                      </p:childTnLst>
+                    </p:cTn>
+                  </p:par>
+                  <p:par>
+                    <p:cTn id="12" fill="hold">
+                      <p:stCondLst>
+                        <p:cond delay="indefinite"/>
+                      </p:stCondLst>
+                      <p:childTnLst>
+                        <p:par>
+                          <p:cTn id="13" fill="hold">
+                            <p:stCondLst>
+                              <p:cond delay="0"/>
+                            </p:stCondLst>
+                            <p:childTnLst>
+                              <p:par>
+                                <p:cTn id="14" presetID="5" presetClass="entr" presetSubtype="10" fill="hold" grpId="0" nodeType="clickEffect">
+                                  <p:stCondLst>
+                                    <p:cond delay="0"/>
+                                  </p:stCondLst>
+                                  <p:childTnLst>
+                                    <p:set>
+                                      <p:cBhvr>
+                                        <p:cTn id="15" dur="1" fill="hold">
+                                          <p:stCondLst>
+                                            <p:cond delay="0"/>
+                                          </p:stCondLst>
+                                        </p:cTn>
+                                        <p:tgtEl>
+                                          <p:spTgt spid="3">
+                                            <p:txEl>
+                                              <p:pRg st="1" end="1"/>
+                                            </p:txEl>
+                                          </p:spTgt>
+                                        </p:tgtEl>
+                                        <p:attrNameLst>
+                                          <p:attrName>style.visibility</p:attrName>
+                                        </p:attrNameLst>
+                                      </p:cBhvr>
+                                      <p:to>
+                                        <p:strVal val="visible"/>
+                                      </p:to>
+                                    </p:set>
+                                    <p:animEffect transition="in" filter="checkerboard(across)">
+                                      <p:cBhvr>
+                                        <p:cTn id="16" dur="500"/>
+                                        <p:tgtEl>
+                                          <p:spTgt spid="3">
+                                            <p:txEl>
+                                              <p:pRg st="1" end="1"/>
+                                            </p:txEl>
+                                          </p:spTgt>
+                                        </p:tgtEl>
+                                      </p:cBhvr>
+                                    </p:animEffect>
+                                  </p:childTnLst>
+                                </p:cTn>
+                              </p:par>
+                            </p:childTnLst>
+                          </p:cTn>
+                        </p:par>
+                      </p:childTnLst>
+                    </p:cTn>
+                  </p:par>
+                  <p:par>
+                    <p:cTn id="17" fill="hold">
+                      <p:stCondLst>
+                        <p:cond delay="indefinite"/>
+                      </p:stCondLst>
+                      <p:childTnLst>
+                        <p:par>
+                          <p:cTn id="18" fill="hold">
+                            <p:stCondLst>
+                              <p:cond delay="0"/>
+                            </p:stCondLst>
+                            <p:childTnLst>
+                              <p:par>
+                                <p:cTn id="19" presetID="5" presetClass="entr" presetSubtype="10" fill="hold" grpId="0" nodeType="clickEffect">
+                                  <p:stCondLst>
+                                    <p:cond delay="0"/>
+                                  </p:stCondLst>
+                                  <p:childTnLst>
+                                    <p:set>
+                                      <p:cBhvr>
+                                        <p:cTn id="20" dur="1" fill="hold">
+                                          <p:stCondLst>
+                                            <p:cond delay="0"/>
+                                          </p:stCondLst>
+                                        </p:cTn>
+                                        <p:tgtEl>
+                                          <p:spTgt spid="3">
+                                            <p:txEl>
+                                              <p:pRg st="2" end="2"/>
+                                            </p:txEl>
+                                          </p:spTgt>
+                                        </p:tgtEl>
+                                        <p:attrNameLst>
+                                          <p:attrName>style.visibility</p:attrName>
+                                        </p:attrNameLst>
+                                      </p:cBhvr>
+                                      <p:to>
+                                        <p:strVal val="visible"/>
+                                      </p:to>
+                                    </p:set>
+                                    <p:animEffect transition="in" filter="checkerboard(across)">
+                                      <p:cBhvr>
+                                        <p:cTn id="21" dur="500"/>
+                                        <p:tgtEl>
+                                          <p:spTgt spid="3">
+                                            <p:txEl>
+                                              <p:pRg st="2" end="2"/>
+                                            </p:txEl>
+                                          </p:spTgt>
+                                        </p:tgtEl>
+                                      </p:cBhvr>
+                                    </p:animEffect>
+                                  </p:childTnLst>
+                                </p:cTn>
+                              </p:par>
+                            </p:childTnLst>
+                          </p:cTn>
+                        </p:par>
+                      </p:childTnLst>
+                    </p:cTn>
+                  </p:par>
+                  <p:par>
+                    <p:cTn id="22" fill="hold">
+                      <p:stCondLst>
+                        <p:cond delay="indefinite"/>
+                      </p:stCondLst>
+                      <p:childTnLst>
+                        <p:par>
+                          <p:cTn id="23" fill="hold">
+                            <p:stCondLst>
+                              <p:cond delay="0"/>
+                            </p:stCondLst>
+                            <p:childTnLst>
+                              <p:par>
+                                <p:cTn id="24" presetID="5" presetClass="entr" presetSubtype="10" fill="hold" grpId="0" nodeType="clickEffect">
+                                  <p:stCondLst>
+                                    <p:cond delay="0"/>
+                                  </p:stCondLst>
+                                  <p:childTnLst>
+                                    <p:set>
+                                      <p:cBhvr>
+                                        <p:cTn id="25" dur="1" fill="hold">
+                                          <p:stCondLst>
+                                            <p:cond delay="0"/>
+                                          </p:stCondLst>
+                                        </p:cTn>
+                                        <p:tgtEl>
+                                          <p:spTgt spid="3">
+                                            <p:txEl>
+                                              <p:pRg st="3" end="3"/>
+                                            </p:txEl>
+                                          </p:spTgt>
+                                        </p:tgtEl>
+                                        <p:attrNameLst>
+                                          <p:attrName>style.visibility</p:attrName>
+                                        </p:attrNameLst>
+                                      </p:cBhvr>
+                                      <p:to>
+                                        <p:strVal val="visible"/>
+                                      </p:to>
+                                    </p:set>
+                                    <p:animEffect transition="in" filter="checkerboard(across)">
+                                      <p:cBhvr>
+                                        <p:cTn id="26" dur="500"/>
+                                        <p:tgtEl>
+                                          <p:spTgt spid="3">
+                                            <p:txEl>
+                                              <p:pRg st="3" end="3"/>
+                                            </p:txEl>
+                                          </p:spTgt>
+                                        </p:tgtEl>
+                                      </p:cBhvr>
+                                    </p:animEffect>
+                                  </p:childTnLst>
+                                </p:cTn>
+                              </p:par>
+                            </p:childTnLst>
+                          </p:cTn>
+                        </p:par>
+                      </p:childTnLst>
+                    </p:cTn>
+                  </p:par>
+                  <p:par>
+                    <p:cTn id="27" fill="hold">
+                      <p:stCondLst>
+                        <p:cond delay="indefinite"/>
+                      </p:stCondLst>
+                      <p:childTnLst>
+                        <p:par>
+                          <p:cTn id="28" fill="hold">
+                            <p:stCondLst>
+                              <p:cond delay="0"/>
+                            </p:stCondLst>
+                            <p:childTnLst>
+                              <p:par>
+                                <p:cTn id="29" presetID="5" presetClass="entr" presetSubtype="10" fill="hold" grpId="0" nodeType="clickEffect">
+                                  <p:stCondLst>
+                                    <p:cond delay="0"/>
+                                  </p:stCondLst>
+                                  <p:childTnLst>
+                                    <p:set>
+                                      <p:cBhvr>
+                                        <p:cTn id="30" dur="1" fill="hold">
+                                          <p:stCondLst>
+                                            <p:cond delay="0"/>
+                                          </p:stCondLst>
+                                        </p:cTn>
+                                        <p:tgtEl>
+                                          <p:spTgt spid="3">
+                                            <p:txEl>
+                                              <p:pRg st="4" end="4"/>
+                                            </p:txEl>
+                                          </p:spTgt>
+                                        </p:tgtEl>
+                                        <p:attrNameLst>
+                                          <p:attrName>style.visibility</p:attrName>
+                                        </p:attrNameLst>
+                                      </p:cBhvr>
+                                      <p:to>
+                                        <p:strVal val="visible"/>
+                                      </p:to>
+                                    </p:set>
+                                    <p:animEffect transition="in" filter="checkerboard(across)">
+                                      <p:cBhvr>
+                                        <p:cTn id="31" dur="500"/>
+                                        <p:tgtEl>
+                                          <p:spTgt spid="3">
+                                            <p:txEl>
+                                              <p:pRg st="4" end="4"/>
+                                            </p:txEl>
+                                          </p:spTgt>
+                                        </p:tgtEl>
+                                      </p:cBhvr>
+                                    </p:animEffect>
+                                  </p:childTnLst>
+                                </p:cTn>
+                              </p:par>
+                            </p:childTnLst>
+                          </p:cTn>
+                        </p:par>
+                      </p:childTnLst>
+                    </p:cTn>
+                  </p:par>
+                  <p:par>
+                    <p:cTn id="32" fill="hold">
+                      <p:stCondLst>
+                        <p:cond delay="indefinite"/>
+                      </p:stCondLst>
+                      <p:childTnLst>
+                        <p:par>
+                          <p:cTn id="33" fill="hold">
+                            <p:stCondLst>
+                              <p:cond delay="0"/>
+                            </p:stCondLst>
+                            <p:childTnLst>
+                              <p:par>
+                                <p:cTn id="34" presetID="2" presetClass="entr" presetSubtype="4" fill="hold" nodeType="clickEffect">
+                                  <p:stCondLst>
+                                    <p:cond delay="0"/>
+                                  </p:stCondLst>
+                                  <p:childTnLst>
+                                    <p:set>
+                                      <p:cBhvr>
+                                        <p:cTn id="35" dur="1" fill="hold">
+                                          <p:stCondLst>
+                                            <p:cond delay="0"/>
+                                          </p:stCondLst>
+                                        </p:cTn>
+                                        <p:tgtEl>
+                                          <p:spTgt spid="3">
+                                            <p:txEl>
+                                              <p:pRg st="5" end="5"/>
+                                            </p:txEl>
+                                          </p:spTgt>
+                                        </p:tgtEl>
+                                        <p:attrNameLst>
+                                          <p:attrName>style.visibility</p:attrName>
+                                        </p:attrNameLst>
+                                      </p:cBhvr>
+                                      <p:to>
+                                        <p:strVal val="visible"/>
+                                      </p:to>
+                                    </p:set>
+                                    <p:anim calcmode="lin" valueType="num">
+                                      <p:cBhvr additive="base">
+                                        <p:cTn id="36" dur="500" fill="hold"/>
+                                        <p:tgtEl>
+                                          <p:spTgt spid="3">
+                                            <p:txEl>
+                                              <p:pRg st="5" end="5"/>
+                                            </p:txEl>
+                                          </p:spTgt>
+                                        </p:tgtEl>
+                                        <p:attrNameLst>
+                                          <p:attrName>ppt_x</p:attrName>
+                                        </p:attrNameLst>
+                                      </p:cBhvr>
+                                      <p:tavLst>
+                                        <p:tav tm="0">
+                                          <p:val>
+                                            <p:strVal val="#ppt_x"/>
+                                          </p:val>
+                                        </p:tav>
+                                        <p:tav tm="100000">
+                                          <p:val>
+                                            <p:strVal val="#ppt_x"/>
+                                          </p:val>
+                                        </p:tav>
+                                      </p:tavLst>
+                                    </p:anim>
+                                    <p:anim calcmode="lin" valueType="num">
+                                      <p:cBhvr additive="base">
+                                        <p:cTn id="37" dur="500" fill="hold"/>
+                                        <p:tgtEl>
+                                          <p:spTgt spid="3">
+                                            <p:txEl>
+                                              <p:pRg st="5" end="5"/>
+                                            </p:txEl>
+                                          </p:spTgt>
+                                        </p:tgtEl>
+                                        <p:attrNameLst>
+                                          <p:attrName>ppt_y</p:attrName>
+                                        </p:attrNameLst>
+                                      </p:cBhvr>
+                                      <p:tavLst>
+                                        <p:tav tm="0">
+                                          <p:val>
+                                            <p:strVal val="1+#ppt_h/2"/>
+                                          </p:val>
+                                        </p:tav>
+                                        <p:tav tm="100000">
+                                          <p:val>
+                                            <p:strVal val="#ppt_y"/>
+                                          </p:val>
+                                        </p:tav>
+                                      </p:tavLst>
+                                    </p:anim>
+                                  </p:childTnLst>
+                                </p:cTn>
+                              </p:par>
+                            </p:childTnLst>
+                          </p:cTn>
+                        </p:par>
+                      </p:childTnLst>
+                    </p:cTn>
+                  </p:par>
+                </p:childTnLst>
+              </p:cTn>
+              <p:prevCondLst>
+                <p:cond evt="onPrev" delay="0">
+                  <p:tgtEl>
+                    <p:sldTgt/>
+                  </p:tgtEl>
+                </p:cond>
+              </p:prevCondLst>
+              <p:nextCondLst>
+                <p:cond evt="onNext" delay="0">
+                  <p:tgtEl>
+                    <p:sldTgt/>
+                  </p:tgtEl>
+                </p:cond>
+              </p:nextCondLst>
+            </p:seq>
+          </p:childTnLst>
+        </p:cTn>
       </p:par>
     </p:tnLst>
+    <p:bldLst>
+      <p:bldP spid="2" grpId="0"/>
+      <p:bldP spid="3" grpId="0" uiExpand="1" build="p"/>
+    </p:bldLst>
   </p:timing>
 </p:sld>
 </file>
@@ -3971,9 +6200,367 @@
   <p:timing>
     <p:tnLst>
       <p:par>
-        <p:cTn id="1" dur="indefinite" restart="never" nodeType="tmRoot"/>
+        <p:cTn id="1" dur="indefinite" restart="never" nodeType="tmRoot">
+          <p:childTnLst>
+            <p:seq concurrent="1" nextAc="seek">
+              <p:cTn id="2" dur="indefinite" nodeType="mainSeq">
+                <p:childTnLst>
+                  <p:par>
+                    <p:cTn id="3" fill="hold">
+                      <p:stCondLst>
+                        <p:cond delay="indefinite"/>
+                      </p:stCondLst>
+                      <p:childTnLst>
+                        <p:par>
+                          <p:cTn id="4" fill="hold">
+                            <p:stCondLst>
+                              <p:cond delay="0"/>
+                            </p:stCondLst>
+                            <p:childTnLst>
+                              <p:par>
+                                <p:cTn id="5" presetID="1" presetClass="entr" presetSubtype="0" fill="hold" grpId="0" nodeType="clickEffect">
+                                  <p:stCondLst>
+                                    <p:cond delay="0"/>
+                                  </p:stCondLst>
+                                  <p:childTnLst>
+                                    <p:set>
+                                      <p:cBhvr>
+                                        <p:cTn id="6" dur="1" fill="hold">
+                                          <p:stCondLst>
+                                            <p:cond delay="0"/>
+                                          </p:stCondLst>
+                                        </p:cTn>
+                                        <p:tgtEl>
+                                          <p:spTgt spid="2"/>
+                                        </p:tgtEl>
+                                        <p:attrNameLst>
+                                          <p:attrName>style.visibility</p:attrName>
+                                        </p:attrNameLst>
+                                      </p:cBhvr>
+                                      <p:to>
+                                        <p:strVal val="visible"/>
+                                      </p:to>
+                                    </p:set>
+                                  </p:childTnLst>
+                                </p:cTn>
+                              </p:par>
+                            </p:childTnLst>
+                          </p:cTn>
+                        </p:par>
+                      </p:childTnLst>
+                    </p:cTn>
+                  </p:par>
+                  <p:par>
+                    <p:cTn id="7" fill="hold">
+                      <p:stCondLst>
+                        <p:cond delay="indefinite"/>
+                      </p:stCondLst>
+                      <p:childTnLst>
+                        <p:par>
+                          <p:cTn id="8" fill="hold">
+                            <p:stCondLst>
+                              <p:cond delay="0"/>
+                            </p:stCondLst>
+                            <p:childTnLst>
+                              <p:par>
+                                <p:cTn id="9" presetID="2" presetClass="entr" presetSubtype="4" fill="hold" nodeType="clickEffect">
+                                  <p:stCondLst>
+                                    <p:cond delay="0"/>
+                                  </p:stCondLst>
+                                  <p:childTnLst>
+                                    <p:set>
+                                      <p:cBhvr>
+                                        <p:cTn id="10" dur="1" fill="hold">
+                                          <p:stCondLst>
+                                            <p:cond delay="0"/>
+                                          </p:stCondLst>
+                                        </p:cTn>
+                                        <p:tgtEl>
+                                          <p:spTgt spid="3">
+                                            <p:txEl>
+                                              <p:pRg st="0" end="0"/>
+                                            </p:txEl>
+                                          </p:spTgt>
+                                        </p:tgtEl>
+                                        <p:attrNameLst>
+                                          <p:attrName>style.visibility</p:attrName>
+                                        </p:attrNameLst>
+                                      </p:cBhvr>
+                                      <p:to>
+                                        <p:strVal val="visible"/>
+                                      </p:to>
+                                    </p:set>
+                                    <p:anim calcmode="lin" valueType="num">
+                                      <p:cBhvr additive="base">
+                                        <p:cTn id="11" dur="500" fill="hold"/>
+                                        <p:tgtEl>
+                                          <p:spTgt spid="3">
+                                            <p:txEl>
+                                              <p:pRg st="0" end="0"/>
+                                            </p:txEl>
+                                          </p:spTgt>
+                                        </p:tgtEl>
+                                        <p:attrNameLst>
+                                          <p:attrName>ppt_x</p:attrName>
+                                        </p:attrNameLst>
+                                      </p:cBhvr>
+                                      <p:tavLst>
+                                        <p:tav tm="0">
+                                          <p:val>
+                                            <p:strVal val="#ppt_x"/>
+                                          </p:val>
+                                        </p:tav>
+                                        <p:tav tm="100000">
+                                          <p:val>
+                                            <p:strVal val="#ppt_x"/>
+                                          </p:val>
+                                        </p:tav>
+                                      </p:tavLst>
+                                    </p:anim>
+                                    <p:anim calcmode="lin" valueType="num">
+                                      <p:cBhvr additive="base">
+                                        <p:cTn id="12" dur="500" fill="hold"/>
+                                        <p:tgtEl>
+                                          <p:spTgt spid="3">
+                                            <p:txEl>
+                                              <p:pRg st="0" end="0"/>
+                                            </p:txEl>
+                                          </p:spTgt>
+                                        </p:tgtEl>
+                                        <p:attrNameLst>
+                                          <p:attrName>ppt_y</p:attrName>
+                                        </p:attrNameLst>
+                                      </p:cBhvr>
+                                      <p:tavLst>
+                                        <p:tav tm="0">
+                                          <p:val>
+                                            <p:strVal val="1+#ppt_h/2"/>
+                                          </p:val>
+                                        </p:tav>
+                                        <p:tav tm="100000">
+                                          <p:val>
+                                            <p:strVal val="#ppt_y"/>
+                                          </p:val>
+                                        </p:tav>
+                                      </p:tavLst>
+                                    </p:anim>
+                                  </p:childTnLst>
+                                </p:cTn>
+                              </p:par>
+                            </p:childTnLst>
+                          </p:cTn>
+                        </p:par>
+                      </p:childTnLst>
+                    </p:cTn>
+                  </p:par>
+                  <p:par>
+                    <p:cTn id="13" fill="hold">
+                      <p:stCondLst>
+                        <p:cond delay="indefinite"/>
+                      </p:stCondLst>
+                      <p:childTnLst>
+                        <p:par>
+                          <p:cTn id="14" fill="hold">
+                            <p:stCondLst>
+                              <p:cond delay="0"/>
+                            </p:stCondLst>
+                            <p:childTnLst>
+                              <p:par>
+                                <p:cTn id="15" presetID="5" presetClass="entr" presetSubtype="10" fill="hold" grpId="0" nodeType="clickEffect">
+                                  <p:stCondLst>
+                                    <p:cond delay="0"/>
+                                  </p:stCondLst>
+                                  <p:childTnLst>
+                                    <p:set>
+                                      <p:cBhvr>
+                                        <p:cTn id="16" dur="1" fill="hold">
+                                          <p:stCondLst>
+                                            <p:cond delay="0"/>
+                                          </p:stCondLst>
+                                        </p:cTn>
+                                        <p:tgtEl>
+                                          <p:spTgt spid="3">
+                                            <p:txEl>
+                                              <p:pRg st="1" end="1"/>
+                                            </p:txEl>
+                                          </p:spTgt>
+                                        </p:tgtEl>
+                                        <p:attrNameLst>
+                                          <p:attrName>style.visibility</p:attrName>
+                                        </p:attrNameLst>
+                                      </p:cBhvr>
+                                      <p:to>
+                                        <p:strVal val="visible"/>
+                                      </p:to>
+                                    </p:set>
+                                    <p:animEffect transition="in" filter="checkerboard(across)">
+                                      <p:cBhvr>
+                                        <p:cTn id="17" dur="500"/>
+                                        <p:tgtEl>
+                                          <p:spTgt spid="3">
+                                            <p:txEl>
+                                              <p:pRg st="1" end="1"/>
+                                            </p:txEl>
+                                          </p:spTgt>
+                                        </p:tgtEl>
+                                      </p:cBhvr>
+                                    </p:animEffect>
+                                  </p:childTnLst>
+                                </p:cTn>
+                              </p:par>
+                            </p:childTnLst>
+                          </p:cTn>
+                        </p:par>
+                      </p:childTnLst>
+                    </p:cTn>
+                  </p:par>
+                  <p:par>
+                    <p:cTn id="18" fill="hold">
+                      <p:stCondLst>
+                        <p:cond delay="indefinite"/>
+                      </p:stCondLst>
+                      <p:childTnLst>
+                        <p:par>
+                          <p:cTn id="19" fill="hold">
+                            <p:stCondLst>
+                              <p:cond delay="0"/>
+                            </p:stCondLst>
+                            <p:childTnLst>
+                              <p:par>
+                                <p:cTn id="20" presetID="5" presetClass="entr" presetSubtype="10" fill="hold" grpId="0" nodeType="clickEffect">
+                                  <p:stCondLst>
+                                    <p:cond delay="0"/>
+                                  </p:stCondLst>
+                                  <p:childTnLst>
+                                    <p:set>
+                                      <p:cBhvr>
+                                        <p:cTn id="21" dur="1" fill="hold">
+                                          <p:stCondLst>
+                                            <p:cond delay="0"/>
+                                          </p:stCondLst>
+                                        </p:cTn>
+                                        <p:tgtEl>
+                                          <p:spTgt spid="3">
+                                            <p:txEl>
+                                              <p:pRg st="2" end="2"/>
+                                            </p:txEl>
+                                          </p:spTgt>
+                                        </p:tgtEl>
+                                        <p:attrNameLst>
+                                          <p:attrName>style.visibility</p:attrName>
+                                        </p:attrNameLst>
+                                      </p:cBhvr>
+                                      <p:to>
+                                        <p:strVal val="visible"/>
+                                      </p:to>
+                                    </p:set>
+                                    <p:animEffect transition="in" filter="checkerboard(across)">
+                                      <p:cBhvr>
+                                        <p:cTn id="22" dur="500"/>
+                                        <p:tgtEl>
+                                          <p:spTgt spid="3">
+                                            <p:txEl>
+                                              <p:pRg st="2" end="2"/>
+                                            </p:txEl>
+                                          </p:spTgt>
+                                        </p:tgtEl>
+                                      </p:cBhvr>
+                                    </p:animEffect>
+                                  </p:childTnLst>
+                                </p:cTn>
+                              </p:par>
+                            </p:childTnLst>
+                          </p:cTn>
+                        </p:par>
+                      </p:childTnLst>
+                    </p:cTn>
+                  </p:par>
+                  <p:par>
+                    <p:cTn id="23" fill="hold">
+                      <p:stCondLst>
+                        <p:cond delay="indefinite"/>
+                      </p:stCondLst>
+                      <p:childTnLst>
+                        <p:par>
+                          <p:cTn id="24" fill="hold">
+                            <p:stCondLst>
+                              <p:cond delay="0"/>
+                            </p:stCondLst>
+                            <p:childTnLst>
+                              <p:par>
+                                <p:cTn id="25" presetID="5" presetClass="entr" presetSubtype="10" fill="hold" grpId="0" nodeType="clickEffect">
+                                  <p:stCondLst>
+                                    <p:cond delay="0"/>
+                                  </p:stCondLst>
+                                  <p:childTnLst>
+                                    <p:set>
+                                      <p:cBhvr>
+                                        <p:cTn id="26" dur="1" fill="hold">
+                                          <p:stCondLst>
+                                            <p:cond delay="0"/>
+                                          </p:stCondLst>
+                                        </p:cTn>
+                                        <p:tgtEl>
+                                          <p:spTgt spid="3">
+                                            <p:txEl>
+                                              <p:pRg st="3" end="3"/>
+                                            </p:txEl>
+                                          </p:spTgt>
+                                        </p:tgtEl>
+                                        <p:attrNameLst>
+                                          <p:attrName>style.visibility</p:attrName>
+                                        </p:attrNameLst>
+                                      </p:cBhvr>
+                                      <p:to>
+                                        <p:strVal val="visible"/>
+                                      </p:to>
+                                    </p:set>
+                                    <p:animEffect transition="in" filter="checkerboard(across)">
+                                      <p:cBhvr>
+                                        <p:cTn id="27" dur="500"/>
+                                        <p:tgtEl>
+                                          <p:spTgt spid="3">
+                                            <p:txEl>
+                                              <p:pRg st="3" end="3"/>
+                                            </p:txEl>
+                                          </p:spTgt>
+                                        </p:tgtEl>
+                                      </p:cBhvr>
+                                    </p:animEffect>
+                                  </p:childTnLst>
+                                </p:cTn>
+                              </p:par>
+                            </p:childTnLst>
+                          </p:cTn>
+                        </p:par>
+                      </p:childTnLst>
+                    </p:cTn>
+                  </p:par>
+                </p:childTnLst>
+              </p:cTn>
+              <p:prevCondLst>
+                <p:cond evt="onPrev" delay="0">
+                  <p:tgtEl>
+                    <p:sldTgt/>
+                  </p:tgtEl>
+                </p:cond>
+              </p:prevCondLst>
+              <p:nextCondLst>
+                <p:cond evt="onNext" delay="0">
+                  <p:tgtEl>
+                    <p:sldTgt/>
+                  </p:tgtEl>
+                </p:cond>
+              </p:nextCondLst>
+            </p:seq>
+          </p:childTnLst>
+        </p:cTn>
       </p:par>
     </p:tnLst>
+    <p:bldLst>
+      <p:bldP spid="2" grpId="0"/>
+      <p:bldP spid="3" grpId="0" uiExpand="1" build="p"/>
+    </p:bldLst>
   </p:timing>
 </p:sld>
 </file>
@@ -4075,9 +6662,325 @@
   <p:timing>
     <p:tnLst>
       <p:par>
-        <p:cTn id="1" dur="indefinite" restart="never" nodeType="tmRoot"/>
+        <p:cTn id="1" dur="indefinite" restart="never" nodeType="tmRoot">
+          <p:childTnLst>
+            <p:seq concurrent="1" nextAc="seek">
+              <p:cTn id="2" dur="indefinite" nodeType="mainSeq">
+                <p:childTnLst>
+                  <p:par>
+                    <p:cTn id="3" fill="hold">
+                      <p:stCondLst>
+                        <p:cond delay="indefinite"/>
+                      </p:stCondLst>
+                      <p:childTnLst>
+                        <p:par>
+                          <p:cTn id="4" fill="hold">
+                            <p:stCondLst>
+                              <p:cond delay="0"/>
+                            </p:stCondLst>
+                            <p:childTnLst>
+                              <p:par>
+                                <p:cTn id="5" presetID="1" presetClass="entr" presetSubtype="0" fill="hold" grpId="0" nodeType="clickEffect">
+                                  <p:stCondLst>
+                                    <p:cond delay="0"/>
+                                  </p:stCondLst>
+                                  <p:childTnLst>
+                                    <p:set>
+                                      <p:cBhvr>
+                                        <p:cTn id="6" dur="1" fill="hold">
+                                          <p:stCondLst>
+                                            <p:cond delay="0"/>
+                                          </p:stCondLst>
+                                        </p:cTn>
+                                        <p:tgtEl>
+                                          <p:spTgt spid="2"/>
+                                        </p:tgtEl>
+                                        <p:attrNameLst>
+                                          <p:attrName>style.visibility</p:attrName>
+                                        </p:attrNameLst>
+                                      </p:cBhvr>
+                                      <p:to>
+                                        <p:strVal val="visible"/>
+                                      </p:to>
+                                    </p:set>
+                                  </p:childTnLst>
+                                </p:cTn>
+                              </p:par>
+                            </p:childTnLst>
+                          </p:cTn>
+                        </p:par>
+                      </p:childTnLst>
+                    </p:cTn>
+                  </p:par>
+                  <p:par>
+                    <p:cTn id="7" fill="hold">
+                      <p:stCondLst>
+                        <p:cond delay="indefinite"/>
+                      </p:stCondLst>
+                      <p:childTnLst>
+                        <p:par>
+                          <p:cTn id="8" fill="hold">
+                            <p:stCondLst>
+                              <p:cond delay="0"/>
+                            </p:stCondLst>
+                            <p:childTnLst>
+                              <p:par>
+                                <p:cTn id="9" presetID="5" presetClass="entr" presetSubtype="10" fill="hold" grpId="0" nodeType="clickEffect">
+                                  <p:stCondLst>
+                                    <p:cond delay="0"/>
+                                  </p:stCondLst>
+                                  <p:childTnLst>
+                                    <p:set>
+                                      <p:cBhvr>
+                                        <p:cTn id="10" dur="1" fill="hold">
+                                          <p:stCondLst>
+                                            <p:cond delay="0"/>
+                                          </p:stCondLst>
+                                        </p:cTn>
+                                        <p:tgtEl>
+                                          <p:spTgt spid="3">
+                                            <p:txEl>
+                                              <p:pRg st="0" end="0"/>
+                                            </p:txEl>
+                                          </p:spTgt>
+                                        </p:tgtEl>
+                                        <p:attrNameLst>
+                                          <p:attrName>style.visibility</p:attrName>
+                                        </p:attrNameLst>
+                                      </p:cBhvr>
+                                      <p:to>
+                                        <p:strVal val="visible"/>
+                                      </p:to>
+                                    </p:set>
+                                    <p:animEffect transition="in" filter="checkerboard(across)">
+                                      <p:cBhvr>
+                                        <p:cTn id="11" dur="500"/>
+                                        <p:tgtEl>
+                                          <p:spTgt spid="3">
+                                            <p:txEl>
+                                              <p:pRg st="0" end="0"/>
+                                            </p:txEl>
+                                          </p:spTgt>
+                                        </p:tgtEl>
+                                      </p:cBhvr>
+                                    </p:animEffect>
+                                  </p:childTnLst>
+                                </p:cTn>
+                              </p:par>
+                            </p:childTnLst>
+                          </p:cTn>
+                        </p:par>
+                      </p:childTnLst>
+                    </p:cTn>
+                  </p:par>
+                  <p:par>
+                    <p:cTn id="12" fill="hold">
+                      <p:stCondLst>
+                        <p:cond delay="indefinite"/>
+                      </p:stCondLst>
+                      <p:childTnLst>
+                        <p:par>
+                          <p:cTn id="13" fill="hold">
+                            <p:stCondLst>
+                              <p:cond delay="0"/>
+                            </p:stCondLst>
+                            <p:childTnLst>
+                              <p:par>
+                                <p:cTn id="14" presetID="5" presetClass="entr" presetSubtype="10" fill="hold" grpId="0" nodeType="clickEffect">
+                                  <p:stCondLst>
+                                    <p:cond delay="0"/>
+                                  </p:stCondLst>
+                                  <p:childTnLst>
+                                    <p:set>
+                                      <p:cBhvr>
+                                        <p:cTn id="15" dur="1" fill="hold">
+                                          <p:stCondLst>
+                                            <p:cond delay="0"/>
+                                          </p:stCondLst>
+                                        </p:cTn>
+                                        <p:tgtEl>
+                                          <p:spTgt spid="3">
+                                            <p:txEl>
+                                              <p:pRg st="1" end="1"/>
+                                            </p:txEl>
+                                          </p:spTgt>
+                                        </p:tgtEl>
+                                        <p:attrNameLst>
+                                          <p:attrName>style.visibility</p:attrName>
+                                        </p:attrNameLst>
+                                      </p:cBhvr>
+                                      <p:to>
+                                        <p:strVal val="visible"/>
+                                      </p:to>
+                                    </p:set>
+                                    <p:animEffect transition="in" filter="checkerboard(across)">
+                                      <p:cBhvr>
+                                        <p:cTn id="16" dur="500"/>
+                                        <p:tgtEl>
+                                          <p:spTgt spid="3">
+                                            <p:txEl>
+                                              <p:pRg st="1" end="1"/>
+                                            </p:txEl>
+                                          </p:spTgt>
+                                        </p:tgtEl>
+                                      </p:cBhvr>
+                                    </p:animEffect>
+                                  </p:childTnLst>
+                                </p:cTn>
+                              </p:par>
+                            </p:childTnLst>
+                          </p:cTn>
+                        </p:par>
+                      </p:childTnLst>
+                    </p:cTn>
+                  </p:par>
+                  <p:par>
+                    <p:cTn id="17" fill="hold">
+                      <p:stCondLst>
+                        <p:cond delay="indefinite"/>
+                      </p:stCondLst>
+                      <p:childTnLst>
+                        <p:par>
+                          <p:cTn id="18" fill="hold">
+                            <p:stCondLst>
+                              <p:cond delay="0"/>
+                            </p:stCondLst>
+                            <p:childTnLst>
+                              <p:par>
+                                <p:cTn id="19" presetID="5" presetClass="entr" presetSubtype="10" fill="hold" grpId="0" nodeType="clickEffect">
+                                  <p:stCondLst>
+                                    <p:cond delay="0"/>
+                                  </p:stCondLst>
+                                  <p:childTnLst>
+                                    <p:set>
+                                      <p:cBhvr>
+                                        <p:cTn id="20" dur="1" fill="hold">
+                                          <p:stCondLst>
+                                            <p:cond delay="0"/>
+                                          </p:stCondLst>
+                                        </p:cTn>
+                                        <p:tgtEl>
+                                          <p:spTgt spid="3">
+                                            <p:txEl>
+                                              <p:pRg st="2" end="2"/>
+                                            </p:txEl>
+                                          </p:spTgt>
+                                        </p:tgtEl>
+                                        <p:attrNameLst>
+                                          <p:attrName>style.visibility</p:attrName>
+                                        </p:attrNameLst>
+                                      </p:cBhvr>
+                                      <p:to>
+                                        <p:strVal val="visible"/>
+                                      </p:to>
+                                    </p:set>
+                                    <p:animEffect transition="in" filter="checkerboard(across)">
+                                      <p:cBhvr>
+                                        <p:cTn id="21" dur="500"/>
+                                        <p:tgtEl>
+                                          <p:spTgt spid="3">
+                                            <p:txEl>
+                                              <p:pRg st="2" end="2"/>
+                                            </p:txEl>
+                                          </p:spTgt>
+                                        </p:tgtEl>
+                                      </p:cBhvr>
+                                    </p:animEffect>
+                                  </p:childTnLst>
+                                </p:cTn>
+                              </p:par>
+                            </p:childTnLst>
+                          </p:cTn>
+                        </p:par>
+                      </p:childTnLst>
+                    </p:cTn>
+                  </p:par>
+                  <p:par>
+                    <p:cTn id="22" fill="hold">
+                      <p:stCondLst>
+                        <p:cond delay="indefinite"/>
+                      </p:stCondLst>
+                      <p:childTnLst>
+                        <p:par>
+                          <p:cTn id="23" fill="hold">
+                            <p:stCondLst>
+                              <p:cond delay="0"/>
+                            </p:stCondLst>
+                            <p:childTnLst>
+                              <p:par>
+                                <p:cTn id="24" presetID="5" presetClass="entr" presetSubtype="10" fill="hold" grpId="0" nodeType="clickEffect">
+                                  <p:stCondLst>
+                                    <p:cond delay="0"/>
+                                  </p:stCondLst>
+                                  <p:childTnLst>
+                                    <p:set>
+                                      <p:cBhvr>
+                                        <p:cTn id="25" dur="1" fill="hold">
+                                          <p:stCondLst>
+                                            <p:cond delay="0"/>
+                                          </p:stCondLst>
+                                        </p:cTn>
+                                        <p:tgtEl>
+                                          <p:spTgt spid="3">
+                                            <p:txEl>
+                                              <p:pRg st="3" end="3"/>
+                                            </p:txEl>
+                                          </p:spTgt>
+                                        </p:tgtEl>
+                                        <p:attrNameLst>
+                                          <p:attrName>style.visibility</p:attrName>
+                                        </p:attrNameLst>
+                                      </p:cBhvr>
+                                      <p:to>
+                                        <p:strVal val="visible"/>
+                                      </p:to>
+                                    </p:set>
+                                    <p:animEffect transition="in" filter="checkerboard(across)">
+                                      <p:cBhvr>
+                                        <p:cTn id="26" dur="500"/>
+                                        <p:tgtEl>
+                                          <p:spTgt spid="3">
+                                            <p:txEl>
+                                              <p:pRg st="3" end="3"/>
+                                            </p:txEl>
+                                          </p:spTgt>
+                                        </p:tgtEl>
+                                      </p:cBhvr>
+                                    </p:animEffect>
+                                  </p:childTnLst>
+                                </p:cTn>
+                              </p:par>
+                            </p:childTnLst>
+                          </p:cTn>
+                        </p:par>
+                      </p:childTnLst>
+                    </p:cTn>
+                  </p:par>
+                </p:childTnLst>
+              </p:cTn>
+              <p:prevCondLst>
+                <p:cond evt="onPrev" delay="0">
+                  <p:tgtEl>
+                    <p:sldTgt/>
+                  </p:tgtEl>
+                </p:cond>
+              </p:prevCondLst>
+              <p:nextCondLst>
+                <p:cond evt="onNext" delay="0">
+                  <p:tgtEl>
+                    <p:sldTgt/>
+                  </p:tgtEl>
+                </p:cond>
+              </p:nextCondLst>
+            </p:seq>
+          </p:childTnLst>
+        </p:cTn>
       </p:par>
     </p:tnLst>
+    <p:bldLst>
+      <p:bldP spid="2" grpId="0"/>
+      <p:bldP spid="3" grpId="0" build="p"/>
+    </p:bldLst>
   </p:timing>
 </p:sld>
 </file>
@@ -4170,9 +7073,310 @@
   <p:timing>
     <p:tnLst>
       <p:par>
-        <p:cTn id="1" dur="indefinite" restart="never" nodeType="tmRoot"/>
+        <p:cTn id="1" dur="indefinite" restart="never" nodeType="tmRoot">
+          <p:childTnLst>
+            <p:seq concurrent="1" nextAc="seek">
+              <p:cTn id="2" dur="indefinite" nodeType="mainSeq">
+                <p:childTnLst>
+                  <p:par>
+                    <p:cTn id="3" fill="hold">
+                      <p:stCondLst>
+                        <p:cond delay="indefinite"/>
+                      </p:stCondLst>
+                      <p:childTnLst>
+                        <p:par>
+                          <p:cTn id="4" fill="hold">
+                            <p:stCondLst>
+                              <p:cond delay="0"/>
+                            </p:stCondLst>
+                            <p:childTnLst>
+                              <p:par>
+                                <p:cTn id="5" presetID="1" presetClass="entr" presetSubtype="0" fill="hold" grpId="0" nodeType="clickEffect">
+                                  <p:stCondLst>
+                                    <p:cond delay="0"/>
+                                  </p:stCondLst>
+                                  <p:childTnLst>
+                                    <p:set>
+                                      <p:cBhvr>
+                                        <p:cTn id="6" dur="1" fill="hold">
+                                          <p:stCondLst>
+                                            <p:cond delay="0"/>
+                                          </p:stCondLst>
+                                        </p:cTn>
+                                        <p:tgtEl>
+                                          <p:spTgt spid="2"/>
+                                        </p:tgtEl>
+                                        <p:attrNameLst>
+                                          <p:attrName>style.visibility</p:attrName>
+                                        </p:attrNameLst>
+                                      </p:cBhvr>
+                                      <p:to>
+                                        <p:strVal val="visible"/>
+                                      </p:to>
+                                    </p:set>
+                                  </p:childTnLst>
+                                </p:cTn>
+                              </p:par>
+                            </p:childTnLst>
+                          </p:cTn>
+                        </p:par>
+                      </p:childTnLst>
+                    </p:cTn>
+                  </p:par>
+                  <p:par>
+                    <p:cTn id="7" fill="hold">
+                      <p:stCondLst>
+                        <p:cond delay="indefinite"/>
+                      </p:stCondLst>
+                      <p:childTnLst>
+                        <p:par>
+                          <p:cTn id="8" fill="hold">
+                            <p:stCondLst>
+                              <p:cond delay="0"/>
+                            </p:stCondLst>
+                            <p:childTnLst>
+                              <p:par>
+                                <p:cTn id="9" presetID="1" presetClass="entr" presetSubtype="0" fill="hold" grpId="1" nodeType="clickEffect">
+                                  <p:stCondLst>
+                                    <p:cond delay="0"/>
+                                  </p:stCondLst>
+                                  <p:childTnLst>
+                                    <p:set>
+                                      <p:cBhvr>
+                                        <p:cTn id="10" dur="1" fill="hold">
+                                          <p:stCondLst>
+                                            <p:cond delay="0"/>
+                                          </p:stCondLst>
+                                        </p:cTn>
+                                        <p:tgtEl>
+                                          <p:spTgt spid="2"/>
+                                        </p:tgtEl>
+                                        <p:attrNameLst>
+                                          <p:attrName>style.visibility</p:attrName>
+                                        </p:attrNameLst>
+                                      </p:cBhvr>
+                                      <p:to>
+                                        <p:strVal val="visible"/>
+                                      </p:to>
+                                    </p:set>
+                                  </p:childTnLst>
+                                </p:cTn>
+                              </p:par>
+                            </p:childTnLst>
+                          </p:cTn>
+                        </p:par>
+                      </p:childTnLst>
+                    </p:cTn>
+                  </p:par>
+                  <p:par>
+                    <p:cTn id="11" fill="hold">
+                      <p:stCondLst>
+                        <p:cond delay="indefinite"/>
+                      </p:stCondLst>
+                      <p:childTnLst>
+                        <p:par>
+                          <p:cTn id="12" fill="hold">
+                            <p:stCondLst>
+                              <p:cond delay="0"/>
+                            </p:stCondLst>
+                            <p:childTnLst>
+                              <p:par>
+                                <p:cTn id="13" presetID="5" presetClass="entr" presetSubtype="10" fill="hold" grpId="0" nodeType="clickEffect">
+                                  <p:stCondLst>
+                                    <p:cond delay="0"/>
+                                  </p:stCondLst>
+                                  <p:childTnLst>
+                                    <p:set>
+                                      <p:cBhvr>
+                                        <p:cTn id="14" dur="1" fill="hold">
+                                          <p:stCondLst>
+                                            <p:cond delay="0"/>
+                                          </p:stCondLst>
+                                        </p:cTn>
+                                        <p:tgtEl>
+                                          <p:spTgt spid="3">
+                                            <p:txEl>
+                                              <p:pRg st="0" end="0"/>
+                                            </p:txEl>
+                                          </p:spTgt>
+                                        </p:tgtEl>
+                                        <p:attrNameLst>
+                                          <p:attrName>style.visibility</p:attrName>
+                                        </p:attrNameLst>
+                                      </p:cBhvr>
+                                      <p:to>
+                                        <p:strVal val="visible"/>
+                                      </p:to>
+                                    </p:set>
+                                    <p:animEffect transition="in" filter="checkerboard(across)">
+                                      <p:cBhvr>
+                                        <p:cTn id="15" dur="500"/>
+                                        <p:tgtEl>
+                                          <p:spTgt spid="3">
+                                            <p:txEl>
+                                              <p:pRg st="0" end="0"/>
+                                            </p:txEl>
+                                          </p:spTgt>
+                                        </p:tgtEl>
+                                      </p:cBhvr>
+                                    </p:animEffect>
+                                  </p:childTnLst>
+                                </p:cTn>
+                              </p:par>
+                            </p:childTnLst>
+                          </p:cTn>
+                        </p:par>
+                      </p:childTnLst>
+                    </p:cTn>
+                  </p:par>
+                  <p:par>
+                    <p:cTn id="16" fill="hold">
+                      <p:stCondLst>
+                        <p:cond delay="indefinite"/>
+                      </p:stCondLst>
+                      <p:childTnLst>
+                        <p:par>
+                          <p:cTn id="17" fill="hold">
+                            <p:stCondLst>
+                              <p:cond delay="0"/>
+                            </p:stCondLst>
+                            <p:childTnLst>
+                              <p:par>
+                                <p:cTn id="18" presetID="5" presetClass="entr" presetSubtype="10" fill="hold" grpId="0" nodeType="clickEffect">
+                                  <p:stCondLst>
+                                    <p:cond delay="0"/>
+                                  </p:stCondLst>
+                                  <p:childTnLst>
+                                    <p:set>
+                                      <p:cBhvr>
+                                        <p:cTn id="19" dur="1" fill="hold">
+                                          <p:stCondLst>
+                                            <p:cond delay="0"/>
+                                          </p:stCondLst>
+                                        </p:cTn>
+                                        <p:tgtEl>
+                                          <p:spTgt spid="3">
+                                            <p:txEl>
+                                              <p:pRg st="1" end="1"/>
+                                            </p:txEl>
+                                          </p:spTgt>
+                                        </p:tgtEl>
+                                        <p:attrNameLst>
+                                          <p:attrName>style.visibility</p:attrName>
+                                        </p:attrNameLst>
+                                      </p:cBhvr>
+                                      <p:to>
+                                        <p:strVal val="visible"/>
+                                      </p:to>
+                                    </p:set>
+                                    <p:animEffect transition="in" filter="checkerboard(across)">
+                                      <p:cBhvr>
+                                        <p:cTn id="20" dur="500"/>
+                                        <p:tgtEl>
+                                          <p:spTgt spid="3">
+                                            <p:txEl>
+                                              <p:pRg st="1" end="1"/>
+                                            </p:txEl>
+                                          </p:spTgt>
+                                        </p:tgtEl>
+                                      </p:cBhvr>
+                                    </p:animEffect>
+                                  </p:childTnLst>
+                                </p:cTn>
+                              </p:par>
+                            </p:childTnLst>
+                          </p:cTn>
+                        </p:par>
+                      </p:childTnLst>
+                    </p:cTn>
+                  </p:par>
+                  <p:par>
+                    <p:cTn id="21" fill="hold">
+                      <p:stCondLst>
+                        <p:cond delay="indefinite"/>
+                      </p:stCondLst>
+                      <p:childTnLst>
+                        <p:par>
+                          <p:cTn id="22" fill="hold">
+                            <p:stCondLst>
+                              <p:cond delay="0"/>
+                            </p:stCondLst>
+                            <p:childTnLst>
+                              <p:par>
+                                <p:cTn id="23" presetID="5" presetClass="entr" presetSubtype="10" fill="hold" grpId="0" nodeType="clickEffect">
+                                  <p:stCondLst>
+                                    <p:cond delay="0"/>
+                                  </p:stCondLst>
+                                  <p:childTnLst>
+                                    <p:set>
+                                      <p:cBhvr>
+                                        <p:cTn id="24" dur="1" fill="hold">
+                                          <p:stCondLst>
+                                            <p:cond delay="0"/>
+                                          </p:stCondLst>
+                                        </p:cTn>
+                                        <p:tgtEl>
+                                          <p:spTgt spid="3">
+                                            <p:txEl>
+                                              <p:pRg st="2" end="2"/>
+                                            </p:txEl>
+                                          </p:spTgt>
+                                        </p:tgtEl>
+                                        <p:attrNameLst>
+                                          <p:attrName>style.visibility</p:attrName>
+                                        </p:attrNameLst>
+                                      </p:cBhvr>
+                                      <p:to>
+                                        <p:strVal val="visible"/>
+                                      </p:to>
+                                    </p:set>
+                                    <p:animEffect transition="in" filter="checkerboard(across)">
+                                      <p:cBhvr>
+                                        <p:cTn id="25" dur="500"/>
+                                        <p:tgtEl>
+                                          <p:spTgt spid="3">
+                                            <p:txEl>
+                                              <p:pRg st="2" end="2"/>
+                                            </p:txEl>
+                                          </p:spTgt>
+                                        </p:tgtEl>
+                                      </p:cBhvr>
+                                    </p:animEffect>
+                                  </p:childTnLst>
+                                </p:cTn>
+                              </p:par>
+                            </p:childTnLst>
+                          </p:cTn>
+                        </p:par>
+                      </p:childTnLst>
+                    </p:cTn>
+                  </p:par>
+                </p:childTnLst>
+              </p:cTn>
+              <p:prevCondLst>
+                <p:cond evt="onPrev" delay="0">
+                  <p:tgtEl>
+                    <p:sldTgt/>
+                  </p:tgtEl>
+                </p:cond>
+              </p:prevCondLst>
+              <p:nextCondLst>
+                <p:cond evt="onNext" delay="0">
+                  <p:tgtEl>
+                    <p:sldTgt/>
+                  </p:tgtEl>
+                </p:cond>
+              </p:nextCondLst>
+            </p:seq>
+          </p:childTnLst>
+        </p:cTn>
       </p:par>
     </p:tnLst>
+    <p:bldLst>
+      <p:bldP spid="2" grpId="0"/>
+      <p:bldP spid="2" grpId="1"/>
+      <p:bldP spid="3" grpId="0" build="p"/>
+    </p:bldLst>
   </p:timing>
 </p:sld>
 </file>

--- a/Technique.pptx
+++ b/Technique.pptx
@@ -242,7 +242,7 @@
           <a:p>
             <a:fld id="{2A6EF50F-157F-4A79-BEC0-903D30E411C1}" type="datetimeFigureOut">
               <a:rPr lang="fr-CH" smtClean="0"/>
-              <a:t>18.12.17</a:t>
+              <a:t>25.12.17</a:t>
             </a:fld>
             <a:endParaRPr lang="fr-CH" dirty="0"/>
           </a:p>
@@ -468,7 +468,7 @@
           <a:p>
             <a:fld id="{2A6EF50F-157F-4A79-BEC0-903D30E411C1}" type="datetimeFigureOut">
               <a:rPr lang="fr-CH" smtClean="0"/>
-              <a:t>18.12.17</a:t>
+              <a:t>25.12.17</a:t>
             </a:fld>
             <a:endParaRPr lang="fr-CH" dirty="0"/>
           </a:p>
@@ -643,7 +643,7 @@
           <a:p>
             <a:fld id="{2A6EF50F-157F-4A79-BEC0-903D30E411C1}" type="datetimeFigureOut">
               <a:rPr lang="fr-CH" smtClean="0"/>
-              <a:t>18.12.17</a:t>
+              <a:t>25.12.17</a:t>
             </a:fld>
             <a:endParaRPr lang="fr-CH" dirty="0"/>
           </a:p>
@@ -808,7 +808,7 @@
           <a:p>
             <a:fld id="{2A6EF50F-157F-4A79-BEC0-903D30E411C1}" type="datetimeFigureOut">
               <a:rPr lang="fr-CH" smtClean="0"/>
-              <a:t>18.12.17</a:t>
+              <a:t>25.12.17</a:t>
             </a:fld>
             <a:endParaRPr lang="fr-CH" dirty="0"/>
           </a:p>
@@ -1052,7 +1052,7 @@
           <a:p>
             <a:fld id="{2A6EF50F-157F-4A79-BEC0-903D30E411C1}" type="datetimeFigureOut">
               <a:rPr lang="fr-CH" smtClean="0"/>
-              <a:t>18.12.17</a:t>
+              <a:t>25.12.17</a:t>
             </a:fld>
             <a:endParaRPr lang="fr-CH" dirty="0"/>
           </a:p>
@@ -1316,7 +1316,7 @@
           <a:p>
             <a:fld id="{2A6EF50F-157F-4A79-BEC0-903D30E411C1}" type="datetimeFigureOut">
               <a:rPr lang="fr-CH" smtClean="0"/>
-              <a:t>18.12.17</a:t>
+              <a:t>25.12.17</a:t>
             </a:fld>
             <a:endParaRPr lang="fr-CH" dirty="0"/>
           </a:p>
@@ -1690,7 +1690,7 @@
           <a:p>
             <a:fld id="{2A6EF50F-157F-4A79-BEC0-903D30E411C1}" type="datetimeFigureOut">
               <a:rPr lang="fr-CH" smtClean="0"/>
-              <a:t>18.12.17</a:t>
+              <a:t>25.12.17</a:t>
             </a:fld>
             <a:endParaRPr lang="fr-CH" dirty="0"/>
           </a:p>
@@ -1803,7 +1803,7 @@
           <a:p>
             <a:fld id="{2A6EF50F-157F-4A79-BEC0-903D30E411C1}" type="datetimeFigureOut">
               <a:rPr lang="fr-CH" smtClean="0"/>
-              <a:t>18.12.17</a:t>
+              <a:t>25.12.17</a:t>
             </a:fld>
             <a:endParaRPr lang="fr-CH" dirty="0"/>
           </a:p>
@@ -1893,7 +1893,7 @@
           <a:p>
             <a:fld id="{2A6EF50F-157F-4A79-BEC0-903D30E411C1}" type="datetimeFigureOut">
               <a:rPr lang="fr-CH" smtClean="0"/>
-              <a:t>18.12.17</a:t>
+              <a:t>25.12.17</a:t>
             </a:fld>
             <a:endParaRPr lang="fr-CH" dirty="0"/>
           </a:p>
@@ -2151,7 +2151,7 @@
           <a:p>
             <a:fld id="{2A6EF50F-157F-4A79-BEC0-903D30E411C1}" type="datetimeFigureOut">
               <a:rPr lang="fr-CH" smtClean="0"/>
-              <a:t>18.12.17</a:t>
+              <a:t>25.12.17</a:t>
             </a:fld>
             <a:endParaRPr lang="fr-CH" dirty="0"/>
           </a:p>
@@ -2415,7 +2415,7 @@
           <a:p>
             <a:fld id="{2A6EF50F-157F-4A79-BEC0-903D30E411C1}" type="datetimeFigureOut">
               <a:rPr lang="fr-CH" smtClean="0"/>
-              <a:t>18.12.17</a:t>
+              <a:t>25.12.17</a:t>
             </a:fld>
             <a:endParaRPr lang="fr-CH" dirty="0"/>
           </a:p>
@@ -2632,7 +2632,7 @@
           <a:p>
             <a:fld id="{2A6EF50F-157F-4A79-BEC0-903D30E411C1}" type="datetimeFigureOut">
               <a:rPr lang="fr-CH" smtClean="0"/>
-              <a:t>18.12.17</a:t>
+              <a:t>25.12.17</a:t>
             </a:fld>
             <a:endParaRPr lang="fr-CH" dirty="0"/>
           </a:p>
@@ -3176,13 +3176,13 @@
   <p:clrMapOvr>
     <a:masterClrMapping/>
   </p:clrMapOvr>
-  <mc:AlternateContent xmlns:mc="http://schemas.openxmlformats.org/markup-compatibility/2006">
-    <mc:Choice xmlns:p14="http://schemas.microsoft.com/office/powerpoint/2010/main" Requires="p14">
+  <mc:AlternateContent xmlns:mc="http://schemas.openxmlformats.org/markup-compatibility/2006" xmlns:p14="http://schemas.microsoft.com/office/powerpoint/2010/main">
+    <mc:Choice Requires="p14">
       <p:transition spd="med" p14:dur="700" advTm="6913">
         <p:fade/>
       </p:transition>
     </mc:Choice>
-    <mc:Fallback>
+    <mc:Fallback xmlns="">
       <p:transition spd="med" advTm="6913">
         <p:fade/>
       </p:transition>
@@ -4491,7 +4491,7 @@
         <p:spPr/>
         <p:txBody>
           <a:bodyPr>
-            <a:normAutofit fontScale="92500" lnSpcReduction="20000"/>
+            <a:normAutofit fontScale="85000" lnSpcReduction="20000"/>
           </a:bodyPr>
           <a:lstStyle/>
           <a:p>
@@ -4515,8 +4515,21 @@
           <a:p>
             <a:r>
               <a:rPr lang="fr-CH" dirty="0" smtClean="0"/>
-              <a:t>CSS3 pour animations des pages également très répandues sur les pages web</a:t>
-            </a:r>
+              <a:t>CSS3 pour animations des pages </a:t>
+            </a:r>
+            <a:r>
+              <a:rPr lang="fr-CH" dirty="0" smtClean="0"/>
+              <a:t>et mise en forme (</a:t>
+            </a:r>
+            <a:r>
+              <a:rPr lang="fr-CH" dirty="0" err="1" smtClean="0"/>
+              <a:t>layout</a:t>
+            </a:r>
+            <a:r>
+              <a:rPr lang="fr-CH" dirty="0" smtClean="0"/>
+              <a:t>/design)</a:t>
+            </a:r>
+            <a:endParaRPr lang="fr-CH" dirty="0" smtClean="0"/>
           </a:p>
           <a:p>
             <a:r>
@@ -4527,19 +4540,31 @@
           <a:p>
             <a:r>
               <a:rPr lang="fr-CH" dirty="0" smtClean="0"/>
-              <a:t>Framework Bootstrap très facile à utiliser et simple pour créer site internet et qui permet l’adaptation sur tout écran(mobile, tablette</a:t>
-            </a:r>
-            <a:r>
-              <a:rPr lang="mr-IN" dirty="0" smtClean="0"/>
-              <a:t>…</a:t>
+              <a:t>Framework </a:t>
+            </a:r>
+            <a:r>
+              <a:rPr lang="fr-CH" dirty="0" err="1" smtClean="0"/>
+              <a:t>Bootstrap</a:t>
             </a:r>
             <a:r>
               <a:rPr lang="fr-CH" dirty="0" smtClean="0"/>
-              <a:t>)</a:t>
-            </a:r>
-          </a:p>
-          <a:p>
-            <a:endParaRPr lang="fr-CH" dirty="0"/>
+              <a:t> CSS </a:t>
+            </a:r>
+            <a:r>
+              <a:rPr lang="fr-CH" dirty="0" smtClean="0"/>
+              <a:t>très facile à utiliser et simple pour </a:t>
+            </a:r>
+            <a:r>
+              <a:rPr lang="fr-CH" dirty="0" smtClean="0"/>
+              <a:t>mettre en place un site responsive</a:t>
+            </a:r>
+          </a:p>
+          <a:p>
+            <a:r>
+              <a:rPr lang="fr-CH" dirty="0" smtClean="0"/>
+              <a:t>Mise en place d’une interface pour l’administration/ restaurant et une interface web pour les clients</a:t>
+            </a:r>
+            <a:endParaRPr lang="fr-CH" dirty="0" smtClean="0"/>
           </a:p>
         </p:txBody>
       </p:sp>
@@ -4958,6 +4983,67 @@
                                           <p:spTgt spid="3">
                                             <p:txEl>
                                               <p:pRg st="5" end="5"/>
+                                            </p:txEl>
+                                          </p:spTgt>
+                                        </p:tgtEl>
+                                      </p:cBhvr>
+                                    </p:animEffect>
+                                  </p:childTnLst>
+                                </p:cTn>
+                              </p:par>
+                            </p:childTnLst>
+                          </p:cTn>
+                        </p:par>
+                      </p:childTnLst>
+                    </p:cTn>
+                  </p:par>
+                  <p:par>
+                    <p:cTn id="37" fill="hold">
+                      <p:stCondLst>
+                        <p:cond delay="indefinite"/>
+                      </p:stCondLst>
+                      <p:childTnLst>
+                        <p:par>
+                          <p:cTn id="38" fill="hold">
+                            <p:stCondLst>
+                              <p:cond delay="0"/>
+                            </p:stCondLst>
+                            <p:childTnLst>
+                              <p:par>
+                                <p:cTn id="39" presetID="5" presetClass="entr" presetSubtype="10" fill="hold" grpId="0" nodeType="clickEffect">
+                                  <p:stCondLst>
+                                    <p:cond delay="0"/>
+                                  </p:stCondLst>
+                                  <p:childTnLst>
+                                    <p:set>
+                                      <p:cBhvr>
+                                        <p:cTn id="40" dur="1" fill="hold">
+                                          <p:stCondLst>
+                                            <p:cond delay="0"/>
+                                          </p:stCondLst>
+                                        </p:cTn>
+                                        <p:tgtEl>
+                                          <p:spTgt spid="3">
+                                            <p:txEl>
+                                              <p:pRg st="6" end="6"/>
+                                            </p:txEl>
+                                          </p:spTgt>
+                                        </p:tgtEl>
+                                        <p:attrNameLst>
+                                          <p:attrName>style.visibility</p:attrName>
+                                        </p:attrNameLst>
+                                      </p:cBhvr>
+                                      <p:to>
+                                        <p:strVal val="visible"/>
+                                      </p:to>
+                                    </p:set>
+                                    <p:animEffect transition="in" filter="checkerboard(across)">
+                                      <p:cBhvr>
+                                        <p:cTn id="41" dur="500"/>
+                                        <p:tgtEl>
+                                          <p:spTgt spid="3">
+                                            <p:txEl>
+                                              <p:pRg st="6" end="6"/>
                                             </p:txEl>
                                           </p:spTgt>
                                         </p:tgtEl>

--- a/Technique.pptx
+++ b/Technique.pptx
@@ -242,7 +242,7 @@
           <a:p>
             <a:fld id="{2A6EF50F-157F-4A79-BEC0-903D30E411C1}" type="datetimeFigureOut">
               <a:rPr lang="fr-CH" smtClean="0"/>
-              <a:t>25.12.17</a:t>
+              <a:t>26.12.17</a:t>
             </a:fld>
             <a:endParaRPr lang="fr-CH" dirty="0"/>
           </a:p>
@@ -468,7 +468,7 @@
           <a:p>
             <a:fld id="{2A6EF50F-157F-4A79-BEC0-903D30E411C1}" type="datetimeFigureOut">
               <a:rPr lang="fr-CH" smtClean="0"/>
-              <a:t>25.12.17</a:t>
+              <a:t>26.12.17</a:t>
             </a:fld>
             <a:endParaRPr lang="fr-CH" dirty="0"/>
           </a:p>
@@ -643,7 +643,7 @@
           <a:p>
             <a:fld id="{2A6EF50F-157F-4A79-BEC0-903D30E411C1}" type="datetimeFigureOut">
               <a:rPr lang="fr-CH" smtClean="0"/>
-              <a:t>25.12.17</a:t>
+              <a:t>26.12.17</a:t>
             </a:fld>
             <a:endParaRPr lang="fr-CH" dirty="0"/>
           </a:p>
@@ -808,7 +808,7 @@
           <a:p>
             <a:fld id="{2A6EF50F-157F-4A79-BEC0-903D30E411C1}" type="datetimeFigureOut">
               <a:rPr lang="fr-CH" smtClean="0"/>
-              <a:t>25.12.17</a:t>
+              <a:t>26.12.17</a:t>
             </a:fld>
             <a:endParaRPr lang="fr-CH" dirty="0"/>
           </a:p>
@@ -1052,7 +1052,7 @@
           <a:p>
             <a:fld id="{2A6EF50F-157F-4A79-BEC0-903D30E411C1}" type="datetimeFigureOut">
               <a:rPr lang="fr-CH" smtClean="0"/>
-              <a:t>25.12.17</a:t>
+              <a:t>26.12.17</a:t>
             </a:fld>
             <a:endParaRPr lang="fr-CH" dirty="0"/>
           </a:p>
@@ -1316,7 +1316,7 @@
           <a:p>
             <a:fld id="{2A6EF50F-157F-4A79-BEC0-903D30E411C1}" type="datetimeFigureOut">
               <a:rPr lang="fr-CH" smtClean="0"/>
-              <a:t>25.12.17</a:t>
+              <a:t>26.12.17</a:t>
             </a:fld>
             <a:endParaRPr lang="fr-CH" dirty="0"/>
           </a:p>
@@ -1690,7 +1690,7 @@
           <a:p>
             <a:fld id="{2A6EF50F-157F-4A79-BEC0-903D30E411C1}" type="datetimeFigureOut">
               <a:rPr lang="fr-CH" smtClean="0"/>
-              <a:t>25.12.17</a:t>
+              <a:t>26.12.17</a:t>
             </a:fld>
             <a:endParaRPr lang="fr-CH" dirty="0"/>
           </a:p>
@@ -1803,7 +1803,7 @@
           <a:p>
             <a:fld id="{2A6EF50F-157F-4A79-BEC0-903D30E411C1}" type="datetimeFigureOut">
               <a:rPr lang="fr-CH" smtClean="0"/>
-              <a:t>25.12.17</a:t>
+              <a:t>26.12.17</a:t>
             </a:fld>
             <a:endParaRPr lang="fr-CH" dirty="0"/>
           </a:p>
@@ -1893,7 +1893,7 @@
           <a:p>
             <a:fld id="{2A6EF50F-157F-4A79-BEC0-903D30E411C1}" type="datetimeFigureOut">
               <a:rPr lang="fr-CH" smtClean="0"/>
-              <a:t>25.12.17</a:t>
+              <a:t>26.12.17</a:t>
             </a:fld>
             <a:endParaRPr lang="fr-CH" dirty="0"/>
           </a:p>
@@ -2151,7 +2151,7 @@
           <a:p>
             <a:fld id="{2A6EF50F-157F-4A79-BEC0-903D30E411C1}" type="datetimeFigureOut">
               <a:rPr lang="fr-CH" smtClean="0"/>
-              <a:t>25.12.17</a:t>
+              <a:t>26.12.17</a:t>
             </a:fld>
             <a:endParaRPr lang="fr-CH" dirty="0"/>
           </a:p>
@@ -2415,7 +2415,7 @@
           <a:p>
             <a:fld id="{2A6EF50F-157F-4A79-BEC0-903D30E411C1}" type="datetimeFigureOut">
               <a:rPr lang="fr-CH" smtClean="0"/>
-              <a:t>25.12.17</a:t>
+              <a:t>26.12.17</a:t>
             </a:fld>
             <a:endParaRPr lang="fr-CH" dirty="0"/>
           </a:p>
@@ -2632,7 +2632,7 @@
           <a:p>
             <a:fld id="{2A6EF50F-157F-4A79-BEC0-903D30E411C1}" type="datetimeFigureOut">
               <a:rPr lang="fr-CH" smtClean="0"/>
-              <a:t>25.12.17</a:t>
+              <a:t>26.12.17</a:t>
             </a:fld>
             <a:endParaRPr lang="fr-CH" dirty="0"/>
           </a:p>
@@ -4043,13 +4043,11 @@
           <a:p>
             <a:r>
               <a:rPr lang="fr-CH" dirty="0" smtClean="0"/>
-              <a:t>Application web hébergé sur serveur</a:t>
-            </a:r>
-          </a:p>
-          <a:p>
+              <a:t>Langage </a:t>
+            </a:r>
             <a:r>
               <a:rPr lang="fr-CH" dirty="0" smtClean="0"/>
-              <a:t>Langage de programmation Python</a:t>
+              <a:t>de programmation Python</a:t>
             </a:r>
           </a:p>
           <a:p>
@@ -4334,67 +4332,6 @@
                                           <p:spTgt spid="3">
                                             <p:txEl>
                                               <p:pRg st="2" end="2"/>
-                                            </p:txEl>
-                                          </p:spTgt>
-                                        </p:tgtEl>
-                                      </p:cBhvr>
-                                    </p:animEffect>
-                                  </p:childTnLst>
-                                </p:cTn>
-                              </p:par>
-                            </p:childTnLst>
-                          </p:cTn>
-                        </p:par>
-                      </p:childTnLst>
-                    </p:cTn>
-                  </p:par>
-                  <p:par>
-                    <p:cTn id="22" fill="hold">
-                      <p:stCondLst>
-                        <p:cond delay="indefinite"/>
-                      </p:stCondLst>
-                      <p:childTnLst>
-                        <p:par>
-                          <p:cTn id="23" fill="hold">
-                            <p:stCondLst>
-                              <p:cond delay="0"/>
-                            </p:stCondLst>
-                            <p:childTnLst>
-                              <p:par>
-                                <p:cTn id="24" presetID="5" presetClass="entr" presetSubtype="10" fill="hold" grpId="0" nodeType="clickEffect">
-                                  <p:stCondLst>
-                                    <p:cond delay="0"/>
-                                  </p:stCondLst>
-                                  <p:childTnLst>
-                                    <p:set>
-                                      <p:cBhvr>
-                                        <p:cTn id="25" dur="1" fill="hold">
-                                          <p:stCondLst>
-                                            <p:cond delay="0"/>
-                                          </p:stCondLst>
-                                        </p:cTn>
-                                        <p:tgtEl>
-                                          <p:spTgt spid="3">
-                                            <p:txEl>
-                                              <p:pRg st="3" end="3"/>
-                                            </p:txEl>
-                                          </p:spTgt>
-                                        </p:tgtEl>
-                                        <p:attrNameLst>
-                                          <p:attrName>style.visibility</p:attrName>
-                                        </p:attrNameLst>
-                                      </p:cBhvr>
-                                      <p:to>
-                                        <p:strVal val="visible"/>
-                                      </p:to>
-                                    </p:set>
-                                    <p:animEffect transition="in" filter="checkerboard(across)">
-                                      <p:cBhvr>
-                                        <p:cTn id="26" dur="500"/>
-                                        <p:tgtEl>
-                                          <p:spTgt spid="3">
-                                            <p:txEl>
-                                              <p:pRg st="3" end="3"/>
                                             </p:txEl>
                                           </p:spTgt>
                                         </p:tgtEl>
@@ -4491,7 +4428,7 @@
         <p:spPr/>
         <p:txBody>
           <a:bodyPr>
-            <a:normAutofit fontScale="85000" lnSpcReduction="20000"/>
+            <a:normAutofit lnSpcReduction="10000"/>
           </a:bodyPr>
           <a:lstStyle/>
           <a:p>
@@ -4503,60 +4440,28 @@
           <a:p>
             <a:r>
               <a:rPr lang="fr-CH" dirty="0" smtClean="0"/>
-              <a:t>Application qui utilisera API Python</a:t>
+              <a:t>HTML5, standard validé de nos jours, qu’on utilise pour les pages web</a:t>
             </a:r>
           </a:p>
           <a:p>
             <a:r>
               <a:rPr lang="fr-CH" dirty="0" smtClean="0"/>
-              <a:t>HTML5, pour le contenu des pages qui est le plus simple d’utilisation et courant</a:t>
-            </a:r>
-          </a:p>
-          <a:p>
+              <a:t>CSS3 pour la mise </a:t>
+            </a:r>
             <a:r>
               <a:rPr lang="fr-CH" dirty="0" smtClean="0"/>
-              <a:t>CSS3 pour animations des pages </a:t>
+              <a:t>en forme (layout/design</a:t>
             </a:r>
             <a:r>
               <a:rPr lang="fr-CH" dirty="0" smtClean="0"/>
-              <a:t>et mise en forme (</a:t>
-            </a:r>
-            <a:r>
-              <a:rPr lang="fr-CH" dirty="0" err="1" smtClean="0"/>
-              <a:t>layout</a:t>
-            </a:r>
+              <a:t>)</a:t>
+            </a:r>
+            <a:endParaRPr lang="fr-CH" dirty="0" smtClean="0"/>
+          </a:p>
+          <a:p>
             <a:r>
               <a:rPr lang="fr-CH" dirty="0" smtClean="0"/>
-              <a:t>/design)</a:t>
-            </a:r>
-            <a:endParaRPr lang="fr-CH" dirty="0" smtClean="0"/>
-          </a:p>
-          <a:p>
-            <a:r>
-              <a:rPr lang="fr-CH" dirty="0" smtClean="0"/>
-              <a:t>JavaScript et JQuery pour la programmation de pages web</a:t>
-            </a:r>
-          </a:p>
-          <a:p>
-            <a:r>
-              <a:rPr lang="fr-CH" dirty="0" smtClean="0"/>
-              <a:t>Framework </a:t>
-            </a:r>
-            <a:r>
-              <a:rPr lang="fr-CH" dirty="0" err="1" smtClean="0"/>
-              <a:t>Bootstrap</a:t>
-            </a:r>
-            <a:r>
-              <a:rPr lang="fr-CH" dirty="0" smtClean="0"/>
-              <a:t> CSS </a:t>
-            </a:r>
-            <a:r>
-              <a:rPr lang="fr-CH" dirty="0" smtClean="0"/>
-              <a:t>très facile à utiliser et simple pour </a:t>
-            </a:r>
-            <a:r>
-              <a:rPr lang="fr-CH" dirty="0" smtClean="0"/>
-              <a:t>mettre en place un site responsive</a:t>
+              <a:t>Framework Bootstrap CSS très facile à utiliser et simple pour mettre en place un site responsive</a:t>
             </a:r>
           </a:p>
           <a:p>
@@ -4564,7 +4469,6 @@
               <a:rPr lang="fr-CH" dirty="0" smtClean="0"/>
               <a:t>Mise en place d’une interface pour l’administration/ restaurant et une interface web pour les clients</a:t>
             </a:r>
-            <a:endParaRPr lang="fr-CH" dirty="0" smtClean="0"/>
           </a:p>
         </p:txBody>
       </p:sp>
@@ -4922,128 +4826,6 @@
                                           <p:spTgt spid="3">
                                             <p:txEl>
                                               <p:pRg st="4" end="4"/>
-                                            </p:txEl>
-                                          </p:spTgt>
-                                        </p:tgtEl>
-                                      </p:cBhvr>
-                                    </p:animEffect>
-                                  </p:childTnLst>
-                                </p:cTn>
-                              </p:par>
-                            </p:childTnLst>
-                          </p:cTn>
-                        </p:par>
-                      </p:childTnLst>
-                    </p:cTn>
-                  </p:par>
-                  <p:par>
-                    <p:cTn id="32" fill="hold">
-                      <p:stCondLst>
-                        <p:cond delay="indefinite"/>
-                      </p:stCondLst>
-                      <p:childTnLst>
-                        <p:par>
-                          <p:cTn id="33" fill="hold">
-                            <p:stCondLst>
-                              <p:cond delay="0"/>
-                            </p:stCondLst>
-                            <p:childTnLst>
-                              <p:par>
-                                <p:cTn id="34" presetID="5" presetClass="entr" presetSubtype="10" fill="hold" grpId="0" nodeType="clickEffect">
-                                  <p:stCondLst>
-                                    <p:cond delay="0"/>
-                                  </p:stCondLst>
-                                  <p:childTnLst>
-                                    <p:set>
-                                      <p:cBhvr>
-                                        <p:cTn id="35" dur="1" fill="hold">
-                                          <p:stCondLst>
-                                            <p:cond delay="0"/>
-                                          </p:stCondLst>
-                                        </p:cTn>
-                                        <p:tgtEl>
-                                          <p:spTgt spid="3">
-                                            <p:txEl>
-                                              <p:pRg st="5" end="5"/>
-                                            </p:txEl>
-                                          </p:spTgt>
-                                        </p:tgtEl>
-                                        <p:attrNameLst>
-                                          <p:attrName>style.visibility</p:attrName>
-                                        </p:attrNameLst>
-                                      </p:cBhvr>
-                                      <p:to>
-                                        <p:strVal val="visible"/>
-                                      </p:to>
-                                    </p:set>
-                                    <p:animEffect transition="in" filter="checkerboard(across)">
-                                      <p:cBhvr>
-                                        <p:cTn id="36" dur="500"/>
-                                        <p:tgtEl>
-                                          <p:spTgt spid="3">
-                                            <p:txEl>
-                                              <p:pRg st="5" end="5"/>
-                                            </p:txEl>
-                                          </p:spTgt>
-                                        </p:tgtEl>
-                                      </p:cBhvr>
-                                    </p:animEffect>
-                                  </p:childTnLst>
-                                </p:cTn>
-                              </p:par>
-                            </p:childTnLst>
-                          </p:cTn>
-                        </p:par>
-                      </p:childTnLst>
-                    </p:cTn>
-                  </p:par>
-                  <p:par>
-                    <p:cTn id="37" fill="hold">
-                      <p:stCondLst>
-                        <p:cond delay="indefinite"/>
-                      </p:stCondLst>
-                      <p:childTnLst>
-                        <p:par>
-                          <p:cTn id="38" fill="hold">
-                            <p:stCondLst>
-                              <p:cond delay="0"/>
-                            </p:stCondLst>
-                            <p:childTnLst>
-                              <p:par>
-                                <p:cTn id="39" presetID="5" presetClass="entr" presetSubtype="10" fill="hold" grpId="0" nodeType="clickEffect">
-                                  <p:stCondLst>
-                                    <p:cond delay="0"/>
-                                  </p:stCondLst>
-                                  <p:childTnLst>
-                                    <p:set>
-                                      <p:cBhvr>
-                                        <p:cTn id="40" dur="1" fill="hold">
-                                          <p:stCondLst>
-                                            <p:cond delay="0"/>
-                                          </p:stCondLst>
-                                        </p:cTn>
-                                        <p:tgtEl>
-                                          <p:spTgt spid="3">
-                                            <p:txEl>
-                                              <p:pRg st="6" end="6"/>
-                                            </p:txEl>
-                                          </p:spTgt>
-                                        </p:tgtEl>
-                                        <p:attrNameLst>
-                                          <p:attrName>style.visibility</p:attrName>
-                                        </p:attrNameLst>
-                                      </p:cBhvr>
-                                      <p:to>
-                                        <p:strVal val="visible"/>
-                                      </p:to>
-                                    </p:set>
-                                    <p:animEffect transition="in" filter="checkerboard(across)">
-                                      <p:cBhvr>
-                                        <p:cTn id="41" dur="500"/>
-                                        <p:tgtEl>
-                                          <p:spTgt spid="3">
-                                            <p:txEl>
-                                              <p:pRg st="6" end="6"/>
                                             </p:txEl>
                                           </p:spTgt>
                                         </p:tgtEl>
@@ -5141,37 +4923,55 @@
         </p:nvSpPr>
         <p:spPr/>
         <p:txBody>
-          <a:bodyPr/>
+          <a:bodyPr>
+            <a:normAutofit lnSpcReduction="10000"/>
+          </a:bodyPr>
           <a:lstStyle/>
           <a:p>
             <a:r>
               <a:rPr lang="fr-FR" dirty="0" smtClean="0"/>
-              <a:t>MySQL qui fonctionne très bien </a:t>
-            </a:r>
-          </a:p>
-          <a:p>
+              <a:t>MySQL </a:t>
+            </a:r>
             <a:r>
               <a:rPr lang="fr-FR" dirty="0" smtClean="0"/>
-              <a:t>Habitué à utiliser</a:t>
-            </a:r>
+              <a:t>référence dans l’industrie très utilisé comme base de donnée open source</a:t>
+            </a:r>
+            <a:endParaRPr lang="fr-FR" dirty="0" smtClean="0"/>
           </a:p>
           <a:p>
             <a:r>
               <a:rPr lang="fr-FR" dirty="0" smtClean="0"/>
-              <a:t>Bases de données pour chaque pizzeria, si menu diffère de chaque pizzeria plus facile à modifier</a:t>
-            </a:r>
+              <a:t>Légère à mettre en place mais avec fonctionnalité assez pointue</a:t>
+            </a:r>
+            <a:endParaRPr lang="fr-FR" dirty="0" smtClean="0"/>
           </a:p>
           <a:p>
             <a:r>
               <a:rPr lang="fr-FR" dirty="0" smtClean="0"/>
-              <a:t>Une même application pour toutes les différentes pizzeria, leur différence sera faite à partir des bases de données de chaque pizzeria</a:t>
-            </a:r>
-          </a:p>
-          <a:p>
+              <a:t>Bases de </a:t>
+            </a:r>
             <a:r>
               <a:rPr lang="fr-FR" dirty="0" smtClean="0"/>
-              <a:t>Application sera la même inutile d’en créer plusieurs et encombrer le serveur</a:t>
-            </a:r>
+              <a:t>données unique pour toutes les pizzérias</a:t>
+            </a:r>
+            <a:r>
+              <a:rPr lang="fr-FR" dirty="0" smtClean="0"/>
+              <a:t> à partir d’une application centrale</a:t>
+            </a:r>
+            <a:endParaRPr lang="fr-FR" dirty="0" smtClean="0"/>
+          </a:p>
+          <a:p>
+            <a:r>
+              <a:rPr lang="fr-FR" dirty="0" smtClean="0"/>
+              <a:t>La gestion des accès se fera en fonction des rôles et des permissions sur les comptes utilisateurs</a:t>
+            </a:r>
+          </a:p>
+          <a:p>
+            <a:r>
+              <a:rPr lang="fr-FR" dirty="0" smtClean="0"/>
+              <a:t>On aura donc une seule application pour toutes les pizzerias </a:t>
+            </a:r>
+            <a:endParaRPr lang="fr-FR" dirty="0" smtClean="0"/>
           </a:p>
         </p:txBody>
       </p:sp>
@@ -5643,13 +5443,17 @@
           <a:p>
             <a:r>
               <a:rPr lang="fr-FR" dirty="0" smtClean="0"/>
-              <a:t>Les responsables</a:t>
+              <a:t>Le responsable du groupe</a:t>
             </a:r>
           </a:p>
           <a:p>
             <a:r>
               <a:rPr lang="fr-FR" dirty="0" smtClean="0"/>
-              <a:t>Les livreurs</a:t>
+              <a:t>Les </a:t>
+            </a:r>
+            <a:r>
+              <a:rPr lang="fr-FR" dirty="0" smtClean="0"/>
+              <a:t>livreurs</a:t>
             </a:r>
           </a:p>
           <a:p>
@@ -6727,7 +6531,11 @@
           <a:p>
             <a:r>
               <a:rPr lang="fr-FR" dirty="0" smtClean="0"/>
-              <a:t>Gérance des stocks</a:t>
+              <a:t>Gestion </a:t>
+            </a:r>
+            <a:r>
+              <a:rPr lang="fr-FR" dirty="0" smtClean="0"/>
+              <a:t>des stocks</a:t>
             </a:r>
           </a:p>
           <a:p>

--- a/Technique.pptx
+++ b/Technique.pptx
@@ -4043,11 +4043,7 @@
           <a:p>
             <a:r>
               <a:rPr lang="fr-CH" dirty="0" smtClean="0"/>
-              <a:t>Langage </a:t>
-            </a:r>
-            <a:r>
-              <a:rPr lang="fr-CH" dirty="0" smtClean="0"/>
-              <a:t>de programmation Python</a:t>
+              <a:t>Langage de programmation Python</a:t>
             </a:r>
           </a:p>
           <a:p>
@@ -4446,17 +4442,8 @@
           <a:p>
             <a:r>
               <a:rPr lang="fr-CH" dirty="0" smtClean="0"/>
-              <a:t>CSS3 pour la mise </a:t>
-            </a:r>
-            <a:r>
-              <a:rPr lang="fr-CH" dirty="0" smtClean="0"/>
-              <a:t>en forme (layout/design</a:t>
-            </a:r>
-            <a:r>
-              <a:rPr lang="fr-CH" dirty="0" smtClean="0"/>
-              <a:t>)</a:t>
-            </a:r>
-            <a:endParaRPr lang="fr-CH" dirty="0" smtClean="0"/>
+              <a:t>CSS3 pour la mise en forme (layout/design)</a:t>
+            </a:r>
           </a:p>
           <a:p>
             <a:r>
@@ -4930,35 +4917,20 @@
           <a:p>
             <a:r>
               <a:rPr lang="fr-FR" dirty="0" smtClean="0"/>
-              <a:t>MySQL </a:t>
-            </a:r>
-            <a:r>
-              <a:rPr lang="fr-FR" dirty="0" smtClean="0"/>
-              <a:t>référence dans l’industrie très utilisé comme base de donnée open source</a:t>
-            </a:r>
-            <a:endParaRPr lang="fr-FR" dirty="0" smtClean="0"/>
+              <a:t>MySQL référence dans l’industrie très utilisé comme base de donnée open source</a:t>
+            </a:r>
           </a:p>
           <a:p>
             <a:r>
               <a:rPr lang="fr-FR" dirty="0" smtClean="0"/>
               <a:t>Légère à mettre en place mais avec fonctionnalité assez pointue</a:t>
             </a:r>
-            <a:endParaRPr lang="fr-FR" dirty="0" smtClean="0"/>
           </a:p>
           <a:p>
             <a:r>
               <a:rPr lang="fr-FR" dirty="0" smtClean="0"/>
-              <a:t>Bases de </a:t>
-            </a:r>
-            <a:r>
-              <a:rPr lang="fr-FR" dirty="0" smtClean="0"/>
-              <a:t>données unique pour toutes les pizzérias</a:t>
-            </a:r>
-            <a:r>
-              <a:rPr lang="fr-FR" dirty="0" smtClean="0"/>
-              <a:t> à partir d’une application centrale</a:t>
-            </a:r>
-            <a:endParaRPr lang="fr-FR" dirty="0" smtClean="0"/>
+              <a:t>Bases de données unique pour toutes les pizzérias à partir d’une application centrale</a:t>
+            </a:r>
           </a:p>
           <a:p>
             <a:r>
@@ -4971,7 +4943,6 @@
               <a:rPr lang="fr-FR" dirty="0" smtClean="0"/>
               <a:t>On aura donc une seule application pour toutes les pizzerias </a:t>
             </a:r>
-            <a:endParaRPr lang="fr-FR" dirty="0" smtClean="0"/>
           </a:p>
         </p:txBody>
       </p:sp>
@@ -5449,11 +5420,7 @@
           <a:p>
             <a:r>
               <a:rPr lang="fr-FR" dirty="0" smtClean="0"/>
-              <a:t>Les </a:t>
-            </a:r>
-            <a:r>
-              <a:rPr lang="fr-FR" dirty="0" smtClean="0"/>
-              <a:t>livreurs</a:t>
+              <a:t>Les livreurs</a:t>
             </a:r>
           </a:p>
           <a:p>
@@ -6531,11 +6498,7 @@
           <a:p>
             <a:r>
               <a:rPr lang="fr-FR" dirty="0" smtClean="0"/>
-              <a:t>Gestion </a:t>
-            </a:r>
-            <a:r>
-              <a:rPr lang="fr-FR" dirty="0" smtClean="0"/>
-              <a:t>des stocks</a:t>
+              <a:t>Gestion des stocks</a:t>
             </a:r>
           </a:p>
           <a:p>
